--- a/notes/csc493-ln005.pptx
+++ b/notes/csc493-ln005.pptx
@@ -7776,6 +7776,41 @@
               <a:t>Declarative programming is a programming paradigm in which the programmer describes what the program should accomplish, rather than how to accomplish it. In a declarative program, the focus is on the logic of the computation, rather than the control flow.</a:t>
             </a:r>
             <a:endParaRPr lang="en-US" sz="1800" dirty="0"/>
+          </a:p>
+        </p:txBody>
+      </p:sp>
+      <p:sp>
+        <p:nvSpPr>
+          <p:cNvPr id="7" name="TextBox 6">
+            <a:extLst>
+              <a:ext uri="{FF2B5EF4-FFF2-40B4-BE49-F238E27FC236}">
+                <a16:creationId xmlns:a16="http://schemas.microsoft.com/office/drawing/2014/main" id="{9148E868-DF0F-764A-898A-EB00673251FE}"/>
+              </a:ext>
+            </a:extLst>
+          </p:cNvPr>
+          <p:cNvSpPr txBox="1"/>
+          <p:nvPr/>
+        </p:nvSpPr>
+        <p:spPr>
+          <a:xfrm>
+            <a:off x="2209800" y="6167576"/>
+            <a:ext cx="3998210" cy="369332"/>
+          </a:xfrm>
+          <a:prstGeom prst="rect">
+            <a:avLst/>
+          </a:prstGeom>
+          <a:noFill/>
+        </p:spPr>
+        <p:txBody>
+          <a:bodyPr wrap="none" rtlCol="0">
+            <a:spAutoFit/>
+          </a:bodyPr>
+          <a:lstStyle/>
+          <a:p>
+            <a:r>
+              <a:rPr lang="en-US" sz="1800" dirty="0"/>
+              <a:t>“The what” rather than the “The How”</a:t>
+            </a:r>
           </a:p>
         </p:txBody>
       </p:sp>

--- a/notes/csc493-ln005.pptx
+++ b/notes/csc493-ln005.pptx
@@ -5,10 +5,10 @@
     <p:sldMasterId id="2147483651" r:id="rId1"/>
   </p:sldMasterIdLst>
   <p:notesMasterIdLst>
-    <p:notesMasterId r:id="rId18"/>
+    <p:notesMasterId r:id="rId19"/>
   </p:notesMasterIdLst>
   <p:handoutMasterIdLst>
-    <p:handoutMasterId r:id="rId19"/>
+    <p:handoutMasterId r:id="rId20"/>
   </p:handoutMasterIdLst>
   <p:sldIdLst>
     <p:sldId id="256" r:id="rId2"/>
@@ -16,17 +16,18 @@
     <p:sldId id="258" r:id="rId4"/>
     <p:sldId id="260" r:id="rId5"/>
     <p:sldId id="261" r:id="rId6"/>
-    <p:sldId id="262" r:id="rId7"/>
-    <p:sldId id="263" r:id="rId8"/>
-    <p:sldId id="259" r:id="rId9"/>
-    <p:sldId id="264" r:id="rId10"/>
-    <p:sldId id="265" r:id="rId11"/>
-    <p:sldId id="269" r:id="rId12"/>
-    <p:sldId id="266" r:id="rId13"/>
-    <p:sldId id="267" r:id="rId14"/>
-    <p:sldId id="268" r:id="rId15"/>
-    <p:sldId id="270" r:id="rId16"/>
-    <p:sldId id="271" r:id="rId17"/>
+    <p:sldId id="272" r:id="rId7"/>
+    <p:sldId id="262" r:id="rId8"/>
+    <p:sldId id="263" r:id="rId9"/>
+    <p:sldId id="259" r:id="rId10"/>
+    <p:sldId id="264" r:id="rId11"/>
+    <p:sldId id="265" r:id="rId12"/>
+    <p:sldId id="269" r:id="rId13"/>
+    <p:sldId id="266" r:id="rId14"/>
+    <p:sldId id="267" r:id="rId15"/>
+    <p:sldId id="268" r:id="rId16"/>
+    <p:sldId id="270" r:id="rId17"/>
+    <p:sldId id="271" r:id="rId18"/>
   </p:sldIdLst>
   <p:sldSz cx="9144000" cy="6858000" type="screen4x3"/>
   <p:notesSz cx="6856413" cy="9083675"/>
@@ -233,14 +234,14 @@
           <a:effectLst/>
           <a:extLst>
             <a:ext uri="{909E8E84-426E-40dd-AFC4-6F175D3DCCD1}">
-              <a14:hiddenFill xmlns="" xmlns:a14="http://schemas.microsoft.com/office/drawing/2010/main">
+              <a14:hiddenFill xmlns:a14="http://schemas.microsoft.com/office/drawing/2010/main" xmlns="">
                 <a:solidFill>
                   <a:schemeClr val="accent1"/>
                 </a:solidFill>
               </a14:hiddenFill>
             </a:ext>
             <a:ext uri="{91240B29-F687-4f45-9708-019B960494DF}">
-              <a14:hiddenLine xmlns="" xmlns:a14="http://schemas.microsoft.com/office/drawing/2010/main" w="9525">
+              <a14:hiddenLine xmlns:a14="http://schemas.microsoft.com/office/drawing/2010/main" xmlns="" w="9525">
                 <a:solidFill>
                   <a:schemeClr val="tx1"/>
                 </a:solidFill>
@@ -250,7 +251,7 @@
               </a14:hiddenLine>
             </a:ext>
             <a:ext uri="{AF507438-7753-43e0-B8FC-AC1667EBCBE1}">
-              <a14:hiddenEffects xmlns="" xmlns:a14="http://schemas.microsoft.com/office/drawing/2010/main">
+              <a14:hiddenEffects xmlns:a14="http://schemas.microsoft.com/office/drawing/2010/main" xmlns="">
                 <a:effectLst>
                   <a:outerShdw blurRad="63500" dist="38099" dir="2700000" algn="ctr" rotWithShape="0">
                     <a:schemeClr val="bg2">
@@ -261,7 +262,7 @@
               </a14:hiddenEffects>
             </a:ext>
             <a:ext uri="{FAA26D3D-D897-4be2-8F04-BA451C77F1D7}">
-              <ma14:placeholderFlag xmlns="" xmlns:ma14="http://schemas.microsoft.com/office/mac/drawingml/2011/main" val="1"/>
+              <ma14:placeholderFlag xmlns:ma14="http://schemas.microsoft.com/office/mac/drawingml/2011/main" xmlns="" val="1"/>
             </a:ext>
           </a:extLst>
         </p:spPr>
@@ -319,14 +320,14 @@
           <a:effectLst/>
           <a:extLst>
             <a:ext uri="{909E8E84-426E-40dd-AFC4-6F175D3DCCD1}">
-              <a14:hiddenFill xmlns="" xmlns:a14="http://schemas.microsoft.com/office/drawing/2010/main">
+              <a14:hiddenFill xmlns:a14="http://schemas.microsoft.com/office/drawing/2010/main" xmlns="">
                 <a:solidFill>
                   <a:schemeClr val="accent1"/>
                 </a:solidFill>
               </a14:hiddenFill>
             </a:ext>
             <a:ext uri="{91240B29-F687-4f45-9708-019B960494DF}">
-              <a14:hiddenLine xmlns="" xmlns:a14="http://schemas.microsoft.com/office/drawing/2010/main" w="9525">
+              <a14:hiddenLine xmlns:a14="http://schemas.microsoft.com/office/drawing/2010/main" xmlns="" w="9525">
                 <a:solidFill>
                   <a:schemeClr val="tx1"/>
                 </a:solidFill>
@@ -336,7 +337,7 @@
               </a14:hiddenLine>
             </a:ext>
             <a:ext uri="{AF507438-7753-43e0-B8FC-AC1667EBCBE1}">
-              <a14:hiddenEffects xmlns="" xmlns:a14="http://schemas.microsoft.com/office/drawing/2010/main">
+              <a14:hiddenEffects xmlns:a14="http://schemas.microsoft.com/office/drawing/2010/main" xmlns="">
                 <a:effectLst>
                   <a:outerShdw blurRad="63500" dist="38099" dir="2700000" algn="ctr" rotWithShape="0">
                     <a:schemeClr val="bg2">
@@ -347,7 +348,7 @@
               </a14:hiddenEffects>
             </a:ext>
             <a:ext uri="{FAA26D3D-D897-4be2-8F04-BA451C77F1D7}">
-              <ma14:placeholderFlag xmlns="" xmlns:ma14="http://schemas.microsoft.com/office/mac/drawingml/2011/main" val="1"/>
+              <ma14:placeholderFlag xmlns:ma14="http://schemas.microsoft.com/office/mac/drawingml/2011/main" xmlns="" val="1"/>
             </a:ext>
           </a:extLst>
         </p:spPr>
@@ -405,14 +406,14 @@
           <a:effectLst/>
           <a:extLst>
             <a:ext uri="{909E8E84-426E-40dd-AFC4-6F175D3DCCD1}">
-              <a14:hiddenFill xmlns="" xmlns:a14="http://schemas.microsoft.com/office/drawing/2010/main">
+              <a14:hiddenFill xmlns:a14="http://schemas.microsoft.com/office/drawing/2010/main" xmlns="">
                 <a:solidFill>
                   <a:schemeClr val="accent1"/>
                 </a:solidFill>
               </a14:hiddenFill>
             </a:ext>
             <a:ext uri="{91240B29-F687-4f45-9708-019B960494DF}">
-              <a14:hiddenLine xmlns="" xmlns:a14="http://schemas.microsoft.com/office/drawing/2010/main" w="9525">
+              <a14:hiddenLine xmlns:a14="http://schemas.microsoft.com/office/drawing/2010/main" xmlns="" w="9525">
                 <a:solidFill>
                   <a:schemeClr val="tx1"/>
                 </a:solidFill>
@@ -422,7 +423,7 @@
               </a14:hiddenLine>
             </a:ext>
             <a:ext uri="{AF507438-7753-43e0-B8FC-AC1667EBCBE1}">
-              <a14:hiddenEffects xmlns="" xmlns:a14="http://schemas.microsoft.com/office/drawing/2010/main">
+              <a14:hiddenEffects xmlns:a14="http://schemas.microsoft.com/office/drawing/2010/main" xmlns="">
                 <a:effectLst>
                   <a:outerShdw blurRad="63500" dist="38099" dir="2700000" algn="ctr" rotWithShape="0">
                     <a:schemeClr val="bg2">
@@ -433,7 +434,7 @@
               </a14:hiddenEffects>
             </a:ext>
             <a:ext uri="{FAA26D3D-D897-4be2-8F04-BA451C77F1D7}">
-              <ma14:placeholderFlag xmlns="" xmlns:ma14="http://schemas.microsoft.com/office/mac/drawingml/2011/main" val="1"/>
+              <ma14:placeholderFlag xmlns:ma14="http://schemas.microsoft.com/office/mac/drawingml/2011/main" xmlns="" val="1"/>
             </a:ext>
           </a:extLst>
         </p:spPr>
@@ -491,14 +492,14 @@
           <a:effectLst/>
           <a:extLst>
             <a:ext uri="{909E8E84-426E-40dd-AFC4-6F175D3DCCD1}">
-              <a14:hiddenFill xmlns="" xmlns:a14="http://schemas.microsoft.com/office/drawing/2010/main">
+              <a14:hiddenFill xmlns:a14="http://schemas.microsoft.com/office/drawing/2010/main" xmlns="">
                 <a:solidFill>
                   <a:schemeClr val="accent1"/>
                 </a:solidFill>
               </a14:hiddenFill>
             </a:ext>
             <a:ext uri="{91240B29-F687-4f45-9708-019B960494DF}">
-              <a14:hiddenLine xmlns="" xmlns:a14="http://schemas.microsoft.com/office/drawing/2010/main" w="9525">
+              <a14:hiddenLine xmlns:a14="http://schemas.microsoft.com/office/drawing/2010/main" xmlns="" w="9525">
                 <a:solidFill>
                   <a:schemeClr val="tx1"/>
                 </a:solidFill>
@@ -508,7 +509,7 @@
               </a14:hiddenLine>
             </a:ext>
             <a:ext uri="{AF507438-7753-43e0-B8FC-AC1667EBCBE1}">
-              <a14:hiddenEffects xmlns="" xmlns:a14="http://schemas.microsoft.com/office/drawing/2010/main">
+              <a14:hiddenEffects xmlns:a14="http://schemas.microsoft.com/office/drawing/2010/main" xmlns="">
                 <a:effectLst>
                   <a:outerShdw blurRad="63500" dist="38099" dir="2700000" algn="ctr" rotWithShape="0">
                     <a:schemeClr val="bg2">
@@ -519,7 +520,7 @@
               </a14:hiddenEffects>
             </a:ext>
             <a:ext uri="{FAA26D3D-D897-4be2-8F04-BA451C77F1D7}">
-              <ma14:placeholderFlag xmlns="" xmlns:ma14="http://schemas.microsoft.com/office/mac/drawingml/2011/main" val="1"/>
+              <ma14:placeholderFlag xmlns:ma14="http://schemas.microsoft.com/office/mac/drawingml/2011/main" xmlns="" val="1"/>
             </a:ext>
           </a:extLst>
         </p:spPr>
@@ -611,14 +612,14 @@
           <a:effectLst/>
           <a:extLst>
             <a:ext uri="{909E8E84-426E-40dd-AFC4-6F175D3DCCD1}">
-              <a14:hiddenFill xmlns="" xmlns:a14="http://schemas.microsoft.com/office/drawing/2010/main">
+              <a14:hiddenFill xmlns:a14="http://schemas.microsoft.com/office/drawing/2010/main" xmlns="">
                 <a:solidFill>
                   <a:schemeClr val="accent1"/>
                 </a:solidFill>
               </a14:hiddenFill>
             </a:ext>
             <a:ext uri="{91240B29-F687-4f45-9708-019B960494DF}">
-              <a14:hiddenLine xmlns="" xmlns:a14="http://schemas.microsoft.com/office/drawing/2010/main" w="9525">
+              <a14:hiddenLine xmlns:a14="http://schemas.microsoft.com/office/drawing/2010/main" xmlns="" w="9525">
                 <a:solidFill>
                   <a:schemeClr val="tx1"/>
                 </a:solidFill>
@@ -628,7 +629,7 @@
               </a14:hiddenLine>
             </a:ext>
             <a:ext uri="{AF507438-7753-43e0-B8FC-AC1667EBCBE1}">
-              <a14:hiddenEffects xmlns="" xmlns:a14="http://schemas.microsoft.com/office/drawing/2010/main">
+              <a14:hiddenEffects xmlns:a14="http://schemas.microsoft.com/office/drawing/2010/main" xmlns="">
                 <a:effectLst>
                   <a:outerShdw blurRad="63500" dist="38099" dir="2700000" algn="ctr" rotWithShape="0">
                     <a:schemeClr val="bg2">
@@ -639,7 +640,7 @@
               </a14:hiddenEffects>
             </a:ext>
             <a:ext uri="{FAA26D3D-D897-4be2-8F04-BA451C77F1D7}">
-              <ma14:placeholderFlag xmlns="" xmlns:ma14="http://schemas.microsoft.com/office/mac/drawingml/2011/main" val="1"/>
+              <ma14:placeholderFlag xmlns:ma14="http://schemas.microsoft.com/office/mac/drawingml/2011/main" xmlns="" val="1"/>
             </a:ext>
           </a:extLst>
         </p:spPr>
@@ -697,14 +698,14 @@
           <a:effectLst/>
           <a:extLst>
             <a:ext uri="{909E8E84-426E-40dd-AFC4-6F175D3DCCD1}">
-              <a14:hiddenFill xmlns="" xmlns:a14="http://schemas.microsoft.com/office/drawing/2010/main">
+              <a14:hiddenFill xmlns:a14="http://schemas.microsoft.com/office/drawing/2010/main" xmlns="">
                 <a:solidFill>
                   <a:schemeClr val="accent1"/>
                 </a:solidFill>
               </a14:hiddenFill>
             </a:ext>
             <a:ext uri="{91240B29-F687-4f45-9708-019B960494DF}">
-              <a14:hiddenLine xmlns="" xmlns:a14="http://schemas.microsoft.com/office/drawing/2010/main" w="9525">
+              <a14:hiddenLine xmlns:a14="http://schemas.microsoft.com/office/drawing/2010/main" xmlns="" w="9525">
                 <a:solidFill>
                   <a:schemeClr val="tx1"/>
                 </a:solidFill>
@@ -714,7 +715,7 @@
               </a14:hiddenLine>
             </a:ext>
             <a:ext uri="{AF507438-7753-43e0-B8FC-AC1667EBCBE1}">
-              <a14:hiddenEffects xmlns="" xmlns:a14="http://schemas.microsoft.com/office/drawing/2010/main">
+              <a14:hiddenEffects xmlns:a14="http://schemas.microsoft.com/office/drawing/2010/main" xmlns="">
                 <a:effectLst>
                   <a:outerShdw blurRad="63500" dist="38099" dir="2700000" algn="ctr" rotWithShape="0">
                     <a:schemeClr val="bg2">
@@ -725,7 +726,7 @@
               </a14:hiddenEffects>
             </a:ext>
             <a:ext uri="{FAA26D3D-D897-4be2-8F04-BA451C77F1D7}">
-              <ma14:placeholderFlag xmlns="" xmlns:ma14="http://schemas.microsoft.com/office/mac/drawingml/2011/main" val="1"/>
+              <ma14:placeholderFlag xmlns:ma14="http://schemas.microsoft.com/office/mac/drawingml/2011/main" xmlns="" val="1"/>
             </a:ext>
           </a:extLst>
         </p:spPr>
@@ -788,7 +789,7 @@
           <a:effectLst/>
           <a:extLst>
             <a:ext uri="{AF507438-7753-43e0-B8FC-AC1667EBCBE1}">
-              <a14:hiddenEffects xmlns="" xmlns:a14="http://schemas.microsoft.com/office/drawing/2010/main">
+              <a14:hiddenEffects xmlns:a14="http://schemas.microsoft.com/office/drawing/2010/main" xmlns="">
                 <a:effectLst>
                   <a:outerShdw blurRad="63500" dist="38099" dir="2700000" algn="ctr" rotWithShape="0">
                     <a:srgbClr val="000000">
@@ -799,7 +800,7 @@
               </a14:hiddenEffects>
             </a:ext>
             <a:ext uri="{53640926-AAD7-44d8-BBD7-CCE9431645EC}">
-              <a14:shadowObscured xmlns="" xmlns:a14="http://schemas.microsoft.com/office/drawing/2010/main" val="1"/>
+              <a14:shadowObscured xmlns:a14="http://schemas.microsoft.com/office/drawing/2010/main" xmlns="" val="1"/>
             </a:ext>
           </a:extLst>
         </p:spPr>
@@ -835,14 +836,14 @@
           <a:effectLst/>
           <a:extLst>
             <a:ext uri="{909E8E84-426E-40dd-AFC4-6F175D3DCCD1}">
-              <a14:hiddenFill xmlns="" xmlns:a14="http://schemas.microsoft.com/office/drawing/2010/main">
+              <a14:hiddenFill xmlns:a14="http://schemas.microsoft.com/office/drawing/2010/main" xmlns="">
                 <a:solidFill>
                   <a:schemeClr val="accent1"/>
                 </a:solidFill>
               </a14:hiddenFill>
             </a:ext>
             <a:ext uri="{91240B29-F687-4f45-9708-019B960494DF}">
-              <a14:hiddenLine xmlns="" xmlns:a14="http://schemas.microsoft.com/office/drawing/2010/main" w="9525">
+              <a14:hiddenLine xmlns:a14="http://schemas.microsoft.com/office/drawing/2010/main" xmlns="" w="9525">
                 <a:solidFill>
                   <a:schemeClr val="tx1"/>
                 </a:solidFill>
@@ -852,7 +853,7 @@
               </a14:hiddenLine>
             </a:ext>
             <a:ext uri="{AF507438-7753-43e0-B8FC-AC1667EBCBE1}">
-              <a14:hiddenEffects xmlns="" xmlns:a14="http://schemas.microsoft.com/office/drawing/2010/main">
+              <a14:hiddenEffects xmlns:a14="http://schemas.microsoft.com/office/drawing/2010/main" xmlns="">
                 <a:effectLst>
                   <a:outerShdw blurRad="63500" dist="38099" dir="2700000" algn="ctr" rotWithShape="0">
                     <a:schemeClr val="bg2">
@@ -863,7 +864,7 @@
               </a14:hiddenEffects>
             </a:ext>
             <a:ext uri="{FAA26D3D-D897-4be2-8F04-BA451C77F1D7}">
-              <ma14:placeholderFlag xmlns="" xmlns:ma14="http://schemas.microsoft.com/office/mac/drawingml/2011/main" val="1"/>
+              <ma14:placeholderFlag xmlns:ma14="http://schemas.microsoft.com/office/mac/drawingml/2011/main" xmlns="" val="1"/>
             </a:ext>
           </a:extLst>
         </p:spPr>
@@ -942,14 +943,14 @@
           <a:effectLst/>
           <a:extLst>
             <a:ext uri="{909E8E84-426E-40dd-AFC4-6F175D3DCCD1}">
-              <a14:hiddenFill xmlns="" xmlns:a14="http://schemas.microsoft.com/office/drawing/2010/main">
+              <a14:hiddenFill xmlns:a14="http://schemas.microsoft.com/office/drawing/2010/main" xmlns="">
                 <a:solidFill>
                   <a:schemeClr val="accent1"/>
                 </a:solidFill>
               </a14:hiddenFill>
             </a:ext>
             <a:ext uri="{91240B29-F687-4f45-9708-019B960494DF}">
-              <a14:hiddenLine xmlns="" xmlns:a14="http://schemas.microsoft.com/office/drawing/2010/main" w="9525">
+              <a14:hiddenLine xmlns:a14="http://schemas.microsoft.com/office/drawing/2010/main" xmlns="" w="9525">
                 <a:solidFill>
                   <a:schemeClr val="tx1"/>
                 </a:solidFill>
@@ -959,7 +960,7 @@
               </a14:hiddenLine>
             </a:ext>
             <a:ext uri="{AF507438-7753-43e0-B8FC-AC1667EBCBE1}">
-              <a14:hiddenEffects xmlns="" xmlns:a14="http://schemas.microsoft.com/office/drawing/2010/main">
+              <a14:hiddenEffects xmlns:a14="http://schemas.microsoft.com/office/drawing/2010/main" xmlns="">
                 <a:effectLst>
                   <a:outerShdw blurRad="63500" dist="38099" dir="2700000" algn="ctr" rotWithShape="0">
                     <a:schemeClr val="bg2">
@@ -970,7 +971,7 @@
               </a14:hiddenEffects>
             </a:ext>
             <a:ext uri="{FAA26D3D-D897-4be2-8F04-BA451C77F1D7}">
-              <ma14:placeholderFlag xmlns="" xmlns:ma14="http://schemas.microsoft.com/office/mac/drawingml/2011/main" val="1"/>
+              <ma14:placeholderFlag xmlns:ma14="http://schemas.microsoft.com/office/mac/drawingml/2011/main" xmlns="" val="1"/>
             </a:ext>
           </a:extLst>
         </p:spPr>
@@ -1028,14 +1029,14 @@
           <a:effectLst/>
           <a:extLst>
             <a:ext uri="{909E8E84-426E-40dd-AFC4-6F175D3DCCD1}">
-              <a14:hiddenFill xmlns="" xmlns:a14="http://schemas.microsoft.com/office/drawing/2010/main">
+              <a14:hiddenFill xmlns:a14="http://schemas.microsoft.com/office/drawing/2010/main" xmlns="">
                 <a:solidFill>
                   <a:schemeClr val="accent1"/>
                 </a:solidFill>
               </a14:hiddenFill>
             </a:ext>
             <a:ext uri="{91240B29-F687-4f45-9708-019B960494DF}">
-              <a14:hiddenLine xmlns="" xmlns:a14="http://schemas.microsoft.com/office/drawing/2010/main" w="9525">
+              <a14:hiddenLine xmlns:a14="http://schemas.microsoft.com/office/drawing/2010/main" xmlns="" w="9525">
                 <a:solidFill>
                   <a:schemeClr val="tx1"/>
                 </a:solidFill>
@@ -1045,7 +1046,7 @@
               </a14:hiddenLine>
             </a:ext>
             <a:ext uri="{AF507438-7753-43e0-B8FC-AC1667EBCBE1}">
-              <a14:hiddenEffects xmlns="" xmlns:a14="http://schemas.microsoft.com/office/drawing/2010/main">
+              <a14:hiddenEffects xmlns:a14="http://schemas.microsoft.com/office/drawing/2010/main" xmlns="">
                 <a:effectLst>
                   <a:outerShdw blurRad="63500" dist="38099" dir="2700000" algn="ctr" rotWithShape="0">
                     <a:schemeClr val="bg2">
@@ -1056,7 +1057,7 @@
               </a14:hiddenEffects>
             </a:ext>
             <a:ext uri="{FAA26D3D-D897-4be2-8F04-BA451C77F1D7}">
-              <ma14:placeholderFlag xmlns="" xmlns:ma14="http://schemas.microsoft.com/office/mac/drawingml/2011/main" val="1"/>
+              <ma14:placeholderFlag xmlns:ma14="http://schemas.microsoft.com/office/mac/drawingml/2011/main" xmlns="" val="1"/>
             </a:ext>
           </a:extLst>
         </p:spPr>
@@ -1260,12 +1261,12 @@
           <a:effectLst/>
           <a:extLst>
             <a:ext uri="{909E8E84-426E-40dd-AFC4-6F175D3DCCD1}">
-              <a14:hiddenFill xmlns="" xmlns:a14="http://schemas.microsoft.com/office/drawing/2010/main">
+              <a14:hiddenFill xmlns:a14="http://schemas.microsoft.com/office/drawing/2010/main" xmlns="">
                 <a:noFill/>
               </a14:hiddenFill>
             </a:ext>
             <a:ext uri="{AF507438-7753-43e0-B8FC-AC1667EBCBE1}">
-              <a14:hiddenEffects xmlns="" xmlns:a14="http://schemas.microsoft.com/office/drawing/2010/main">
+              <a14:hiddenEffects xmlns:a14="http://schemas.microsoft.com/office/drawing/2010/main" xmlns="">
                 <a:effectLst>
                   <a:outerShdw blurRad="63500" dist="38099" dir="2700000" algn="ctr" rotWithShape="0">
                     <a:schemeClr val="bg2">
@@ -1380,14 +1381,14 @@
           </a:xfrm>
           <a:extLst>
             <a:ext uri="{909E8E84-426E-40dd-AFC4-6F175D3DCCD1}">
-              <a14:hiddenFill xmlns="" xmlns:a14="http://schemas.microsoft.com/office/drawing/2010/main">
+              <a14:hiddenFill xmlns:a14="http://schemas.microsoft.com/office/drawing/2010/main" xmlns="">
                 <a:solidFill>
                   <a:schemeClr val="accent1"/>
                 </a:solidFill>
               </a14:hiddenFill>
             </a:ext>
             <a:ext uri="{91240B29-F687-4f45-9708-019B960494DF}">
-              <a14:hiddenLine xmlns="" xmlns:a14="http://schemas.microsoft.com/office/drawing/2010/main" w="9525">
+              <a14:hiddenLine xmlns:a14="http://schemas.microsoft.com/office/drawing/2010/main" xmlns="" w="9525">
                 <a:solidFill>
                   <a:schemeClr val="tx1"/>
                 </a:solidFill>
@@ -1397,7 +1398,7 @@
               </a14:hiddenLine>
             </a:ext>
             <a:ext uri="{AF507438-7753-43e0-B8FC-AC1667EBCBE1}">
-              <a14:hiddenEffects xmlns="" xmlns:a14="http://schemas.microsoft.com/office/drawing/2010/main">
+              <a14:hiddenEffects xmlns:a14="http://schemas.microsoft.com/office/drawing/2010/main" xmlns="">
                 <a:effectLst>
                   <a:outerShdw blurRad="63500" dist="38099" dir="2700000" algn="ctr" rotWithShape="0">
                     <a:schemeClr val="bg2">
@@ -1408,7 +1409,7 @@
               </a14:hiddenEffects>
             </a:ext>
             <a:ext uri="{FAA26D3D-D897-4be2-8F04-BA451C77F1D7}">
-              <ma14:placeholderFlag xmlns="" xmlns:ma14="http://schemas.microsoft.com/office/mac/drawingml/2011/main" val="1"/>
+              <ma14:placeholderFlag xmlns:ma14="http://schemas.microsoft.com/office/mac/drawingml/2011/main" xmlns="" val="1"/>
             </a:ext>
           </a:extLst>
         </p:spPr>
@@ -1450,14 +1451,14 @@
           </a:xfrm>
           <a:extLst>
             <a:ext uri="{909E8E84-426E-40dd-AFC4-6F175D3DCCD1}">
-              <a14:hiddenFill xmlns="" xmlns:a14="http://schemas.microsoft.com/office/drawing/2010/main">
+              <a14:hiddenFill xmlns:a14="http://schemas.microsoft.com/office/drawing/2010/main" xmlns="">
                 <a:solidFill>
                   <a:schemeClr val="accent1"/>
                 </a:solidFill>
               </a14:hiddenFill>
             </a:ext>
             <a:ext uri="{91240B29-F687-4f45-9708-019B960494DF}">
-              <a14:hiddenLine xmlns="" xmlns:a14="http://schemas.microsoft.com/office/drawing/2010/main" w="9525">
+              <a14:hiddenLine xmlns:a14="http://schemas.microsoft.com/office/drawing/2010/main" xmlns="" w="9525">
                 <a:solidFill>
                   <a:schemeClr val="tx1"/>
                 </a:solidFill>
@@ -1467,7 +1468,7 @@
               </a14:hiddenLine>
             </a:ext>
             <a:ext uri="{AF507438-7753-43e0-B8FC-AC1667EBCBE1}">
-              <a14:hiddenEffects xmlns="" xmlns:a14="http://schemas.microsoft.com/office/drawing/2010/main">
+              <a14:hiddenEffects xmlns:a14="http://schemas.microsoft.com/office/drawing/2010/main" xmlns="">
                 <a:effectLst>
                   <a:outerShdw blurRad="63500" dist="38099" dir="2700000" algn="ctr" rotWithShape="0">
                     <a:schemeClr val="bg2">
@@ -1478,7 +1479,7 @@
               </a14:hiddenEffects>
             </a:ext>
             <a:ext uri="{FAA26D3D-D897-4be2-8F04-BA451C77F1D7}">
-              <ma14:placeholderFlag xmlns="" xmlns:ma14="http://schemas.microsoft.com/office/mac/drawingml/2011/main" val="1"/>
+              <ma14:placeholderFlag xmlns:ma14="http://schemas.microsoft.com/office/mac/drawingml/2011/main" xmlns="" val="1"/>
             </a:ext>
           </a:extLst>
         </p:spPr>
@@ -1520,14 +1521,14 @@
           </a:xfrm>
           <a:extLst>
             <a:ext uri="{909E8E84-426E-40dd-AFC4-6F175D3DCCD1}">
-              <a14:hiddenFill xmlns="" xmlns:a14="http://schemas.microsoft.com/office/drawing/2010/main">
+              <a14:hiddenFill xmlns:a14="http://schemas.microsoft.com/office/drawing/2010/main" xmlns="">
                 <a:solidFill>
                   <a:schemeClr val="accent1"/>
                 </a:solidFill>
               </a14:hiddenFill>
             </a:ext>
             <a:ext uri="{91240B29-F687-4f45-9708-019B960494DF}">
-              <a14:hiddenLine xmlns="" xmlns:a14="http://schemas.microsoft.com/office/drawing/2010/main" w="9525">
+              <a14:hiddenLine xmlns:a14="http://schemas.microsoft.com/office/drawing/2010/main" xmlns="" w="9525">
                 <a:solidFill>
                   <a:schemeClr val="tx1"/>
                 </a:solidFill>
@@ -1537,7 +1538,7 @@
               </a14:hiddenLine>
             </a:ext>
             <a:ext uri="{AF507438-7753-43e0-B8FC-AC1667EBCBE1}">
-              <a14:hiddenEffects xmlns="" xmlns:a14="http://schemas.microsoft.com/office/drawing/2010/main">
+              <a14:hiddenEffects xmlns:a14="http://schemas.microsoft.com/office/drawing/2010/main" xmlns="">
                 <a:effectLst>
                   <a:outerShdw blurRad="63500" dist="38099" dir="2700000" algn="ctr" rotWithShape="0">
                     <a:schemeClr val="bg2">
@@ -1548,7 +1549,7 @@
               </a14:hiddenEffects>
             </a:ext>
             <a:ext uri="{FAA26D3D-D897-4be2-8F04-BA451C77F1D7}">
-              <ma14:placeholderFlag xmlns="" xmlns:ma14="http://schemas.microsoft.com/office/mac/drawingml/2011/main" val="1"/>
+              <ma14:placeholderFlag xmlns:ma14="http://schemas.microsoft.com/office/mac/drawingml/2011/main" xmlns="" val="1"/>
             </a:ext>
           </a:extLst>
         </p:spPr>
@@ -4215,14 +4216,14 @@
           <a:effectLst/>
           <a:extLst>
             <a:ext uri="{909E8E84-426E-40dd-AFC4-6F175D3DCCD1}">
-              <a14:hiddenFill xmlns="" xmlns:a14="http://schemas.microsoft.com/office/drawing/2010/main">
+              <a14:hiddenFill xmlns:a14="http://schemas.microsoft.com/office/drawing/2010/main" xmlns="">
                 <a:solidFill>
                   <a:schemeClr val="accent1"/>
                 </a:solidFill>
               </a14:hiddenFill>
             </a:ext>
             <a:ext uri="{91240B29-F687-4f45-9708-019B960494DF}">
-              <a14:hiddenLine xmlns="" xmlns:a14="http://schemas.microsoft.com/office/drawing/2010/main" w="9525">
+              <a14:hiddenLine xmlns:a14="http://schemas.microsoft.com/office/drawing/2010/main" xmlns="" w="9525">
                 <a:solidFill>
                   <a:schemeClr val="tx1"/>
                 </a:solidFill>
@@ -4232,7 +4233,7 @@
               </a14:hiddenLine>
             </a:ext>
             <a:ext uri="{AF507438-7753-43e0-B8FC-AC1667EBCBE1}">
-              <a14:hiddenEffects xmlns="" xmlns:a14="http://schemas.microsoft.com/office/drawing/2010/main">
+              <a14:hiddenEffects xmlns:a14="http://schemas.microsoft.com/office/drawing/2010/main" xmlns="">
                 <a:effectLst>
                   <a:outerShdw blurRad="63500" dist="38099" dir="2700000" algn="ctr" rotWithShape="0">
                     <a:schemeClr val="bg2">
@@ -4243,7 +4244,7 @@
               </a14:hiddenEffects>
             </a:ext>
             <a:ext uri="{FAA26D3D-D897-4be2-8F04-BA451C77F1D7}">
-              <ma14:placeholderFlag xmlns="" xmlns:ma14="http://schemas.microsoft.com/office/mac/drawingml/2011/main" val="1"/>
+              <ma14:placeholderFlag xmlns:ma14="http://schemas.microsoft.com/office/mac/drawingml/2011/main" xmlns="" val="1"/>
             </a:ext>
           </a:extLst>
         </p:spPr>
@@ -4294,14 +4295,14 @@
           <a:effectLst/>
           <a:extLst>
             <a:ext uri="{909E8E84-426E-40dd-AFC4-6F175D3DCCD1}">
-              <a14:hiddenFill xmlns="" xmlns:a14="http://schemas.microsoft.com/office/drawing/2010/main">
+              <a14:hiddenFill xmlns:a14="http://schemas.microsoft.com/office/drawing/2010/main" xmlns="">
                 <a:solidFill>
                   <a:schemeClr val="accent1"/>
                 </a:solidFill>
               </a14:hiddenFill>
             </a:ext>
             <a:ext uri="{91240B29-F687-4f45-9708-019B960494DF}">
-              <a14:hiddenLine xmlns="" xmlns:a14="http://schemas.microsoft.com/office/drawing/2010/main" w="9525">
+              <a14:hiddenLine xmlns:a14="http://schemas.microsoft.com/office/drawing/2010/main" xmlns="" w="9525">
                 <a:solidFill>
                   <a:schemeClr val="tx1"/>
                 </a:solidFill>
@@ -4311,7 +4312,7 @@
               </a14:hiddenLine>
             </a:ext>
             <a:ext uri="{AF507438-7753-43e0-B8FC-AC1667EBCBE1}">
-              <a14:hiddenEffects xmlns="" xmlns:a14="http://schemas.microsoft.com/office/drawing/2010/main">
+              <a14:hiddenEffects xmlns:a14="http://schemas.microsoft.com/office/drawing/2010/main" xmlns="">
                 <a:effectLst>
                   <a:outerShdw blurRad="63500" dist="38099" dir="2700000" algn="ctr" rotWithShape="0">
                     <a:schemeClr val="bg2">
@@ -4322,7 +4323,7 @@
               </a14:hiddenEffects>
             </a:ext>
             <a:ext uri="{FAA26D3D-D897-4be2-8F04-BA451C77F1D7}">
-              <ma14:placeholderFlag xmlns="" xmlns:ma14="http://schemas.microsoft.com/office/mac/drawingml/2011/main" val="1"/>
+              <ma14:placeholderFlag xmlns:ma14="http://schemas.microsoft.com/office/mac/drawingml/2011/main" xmlns="" val="1"/>
             </a:ext>
           </a:extLst>
         </p:spPr>
@@ -4401,14 +4402,14 @@
           <a:effectLst/>
           <a:extLst>
             <a:ext uri="{909E8E84-426E-40dd-AFC4-6F175D3DCCD1}">
-              <a14:hiddenFill xmlns="" xmlns:a14="http://schemas.microsoft.com/office/drawing/2010/main">
+              <a14:hiddenFill xmlns:a14="http://schemas.microsoft.com/office/drawing/2010/main" xmlns="">
                 <a:solidFill>
                   <a:schemeClr val="accent1"/>
                 </a:solidFill>
               </a14:hiddenFill>
             </a:ext>
             <a:ext uri="{91240B29-F687-4f45-9708-019B960494DF}">
-              <a14:hiddenLine xmlns="" xmlns:a14="http://schemas.microsoft.com/office/drawing/2010/main" w="9525">
+              <a14:hiddenLine xmlns:a14="http://schemas.microsoft.com/office/drawing/2010/main" xmlns="" w="9525">
                 <a:solidFill>
                   <a:schemeClr val="tx1"/>
                 </a:solidFill>
@@ -4418,7 +4419,7 @@
               </a14:hiddenLine>
             </a:ext>
             <a:ext uri="{AF507438-7753-43e0-B8FC-AC1667EBCBE1}">
-              <a14:hiddenEffects xmlns="" xmlns:a14="http://schemas.microsoft.com/office/drawing/2010/main">
+              <a14:hiddenEffects xmlns:a14="http://schemas.microsoft.com/office/drawing/2010/main" xmlns="">
                 <a:effectLst>
                   <a:outerShdw blurRad="63500" dist="38099" dir="2700000" algn="ctr" rotWithShape="0">
                     <a:schemeClr val="bg2">
@@ -4429,7 +4430,7 @@
               </a14:hiddenEffects>
             </a:ext>
             <a:ext uri="{FAA26D3D-D897-4be2-8F04-BA451C77F1D7}">
-              <ma14:placeholderFlag xmlns="" xmlns:ma14="http://schemas.microsoft.com/office/mac/drawingml/2011/main" val="1"/>
+              <ma14:placeholderFlag xmlns:ma14="http://schemas.microsoft.com/office/mac/drawingml/2011/main" xmlns="" val="1"/>
             </a:ext>
           </a:extLst>
         </p:spPr>
@@ -4487,14 +4488,14 @@
           <a:effectLst/>
           <a:extLst>
             <a:ext uri="{909E8E84-426E-40dd-AFC4-6F175D3DCCD1}">
-              <a14:hiddenFill xmlns="" xmlns:a14="http://schemas.microsoft.com/office/drawing/2010/main">
+              <a14:hiddenFill xmlns:a14="http://schemas.microsoft.com/office/drawing/2010/main" xmlns="">
                 <a:solidFill>
                   <a:schemeClr val="accent1"/>
                 </a:solidFill>
               </a14:hiddenFill>
             </a:ext>
             <a:ext uri="{91240B29-F687-4f45-9708-019B960494DF}">
-              <a14:hiddenLine xmlns="" xmlns:a14="http://schemas.microsoft.com/office/drawing/2010/main" w="9525">
+              <a14:hiddenLine xmlns:a14="http://schemas.microsoft.com/office/drawing/2010/main" xmlns="" w="9525">
                 <a:solidFill>
                   <a:schemeClr val="tx1"/>
                 </a:solidFill>
@@ -4504,7 +4505,7 @@
               </a14:hiddenLine>
             </a:ext>
             <a:ext uri="{AF507438-7753-43e0-B8FC-AC1667EBCBE1}">
-              <a14:hiddenEffects xmlns="" xmlns:a14="http://schemas.microsoft.com/office/drawing/2010/main">
+              <a14:hiddenEffects xmlns:a14="http://schemas.microsoft.com/office/drawing/2010/main" xmlns="">
                 <a:effectLst>
                   <a:outerShdw blurRad="63500" dist="38099" dir="2700000" algn="ctr" rotWithShape="0">
                     <a:schemeClr val="bg2">
@@ -4515,7 +4516,7 @@
               </a14:hiddenEffects>
             </a:ext>
             <a:ext uri="{FAA26D3D-D897-4be2-8F04-BA451C77F1D7}">
-              <ma14:placeholderFlag xmlns="" xmlns:ma14="http://schemas.microsoft.com/office/mac/drawingml/2011/main" val="1"/>
+              <ma14:placeholderFlag xmlns:ma14="http://schemas.microsoft.com/office/mac/drawingml/2011/main" xmlns="" val="1"/>
             </a:ext>
           </a:extLst>
         </p:spPr>
@@ -4573,14 +4574,14 @@
           <a:effectLst/>
           <a:extLst>
             <a:ext uri="{909E8E84-426E-40dd-AFC4-6F175D3DCCD1}">
-              <a14:hiddenFill xmlns="" xmlns:a14="http://schemas.microsoft.com/office/drawing/2010/main">
+              <a14:hiddenFill xmlns:a14="http://schemas.microsoft.com/office/drawing/2010/main" xmlns="">
                 <a:solidFill>
                   <a:schemeClr val="accent1"/>
                 </a:solidFill>
               </a14:hiddenFill>
             </a:ext>
             <a:ext uri="{91240B29-F687-4f45-9708-019B960494DF}">
-              <a14:hiddenLine xmlns="" xmlns:a14="http://schemas.microsoft.com/office/drawing/2010/main" w="9525">
+              <a14:hiddenLine xmlns:a14="http://schemas.microsoft.com/office/drawing/2010/main" xmlns="" w="9525">
                 <a:solidFill>
                   <a:schemeClr val="tx1"/>
                 </a:solidFill>
@@ -4590,7 +4591,7 @@
               </a14:hiddenLine>
             </a:ext>
             <a:ext uri="{AF507438-7753-43e0-B8FC-AC1667EBCBE1}">
-              <a14:hiddenEffects xmlns="" xmlns:a14="http://schemas.microsoft.com/office/drawing/2010/main">
+              <a14:hiddenEffects xmlns:a14="http://schemas.microsoft.com/office/drawing/2010/main" xmlns="">
                 <a:effectLst>
                   <a:outerShdw blurRad="63500" dist="38099" dir="2700000" algn="ctr" rotWithShape="0">
                     <a:schemeClr val="bg2">
@@ -4601,7 +4602,7 @@
               </a14:hiddenEffects>
             </a:ext>
             <a:ext uri="{FAA26D3D-D897-4be2-8F04-BA451C77F1D7}">
-              <ma14:placeholderFlag xmlns="" xmlns:ma14="http://schemas.microsoft.com/office/mac/drawingml/2011/main" val="1"/>
+              <ma14:placeholderFlag xmlns:ma14="http://schemas.microsoft.com/office/mac/drawingml/2011/main" xmlns="" val="1"/>
             </a:ext>
           </a:extLst>
         </p:spPr>
@@ -4660,12 +4661,12 @@
           <a:effectLst/>
           <a:extLst>
             <a:ext uri="{909E8E84-426E-40dd-AFC4-6F175D3DCCD1}">
-              <a14:hiddenFill xmlns="" xmlns:a14="http://schemas.microsoft.com/office/drawing/2010/main">
+              <a14:hiddenFill xmlns:a14="http://schemas.microsoft.com/office/drawing/2010/main" xmlns="">
                 <a:noFill/>
               </a14:hiddenFill>
             </a:ext>
             <a:ext uri="{AF507438-7753-43e0-B8FC-AC1667EBCBE1}">
-              <a14:hiddenEffects xmlns="" xmlns:a14="http://schemas.microsoft.com/office/drawing/2010/main">
+              <a14:hiddenEffects xmlns:a14="http://schemas.microsoft.com/office/drawing/2010/main" xmlns="">
                 <a:effectLst>
                   <a:outerShdw blurRad="63500" dist="38099" dir="2700000" algn="ctr" rotWithShape="0">
                     <a:schemeClr val="bg2">
@@ -5346,7 +5347,7 @@
           <p:cNvPr id="2" name="Title 1">
             <a:extLst>
               <a:ext uri="{FF2B5EF4-FFF2-40B4-BE49-F238E27FC236}">
-                <a16:creationId xmlns:a16="http://schemas.microsoft.com/office/drawing/2014/main" id="{BD586A26-F223-8E4C-AAD8-FA7F60454DC5}"/>
+                <a16:creationId xmlns:a16="http://schemas.microsoft.com/office/drawing/2014/main" id="{C005B3AA-E16C-5540-A776-9B0394BFC354}"/>
               </a:ext>
             </a:extLst>
           </p:cNvPr>
@@ -5371,10 +5372,10 @@
       </p:sp>
       <p:sp>
         <p:nvSpPr>
-          <p:cNvPr id="10" name="Content Placeholder 9">
-            <a:extLst>
-              <a:ext uri="{FF2B5EF4-FFF2-40B4-BE49-F238E27FC236}">
-                <a16:creationId xmlns:a16="http://schemas.microsoft.com/office/drawing/2014/main" id="{92A67A99-1E12-3347-B407-78899D0FC0E4}"/>
+          <p:cNvPr id="3" name="Content Placeholder 2">
+            <a:extLst>
+              <a:ext uri="{FF2B5EF4-FFF2-40B4-BE49-F238E27FC236}">
+                <a16:creationId xmlns:a16="http://schemas.microsoft.com/office/drawing/2014/main" id="{3F2CDE22-CA14-8044-8712-876A82374F6E}"/>
               </a:ext>
             </a:extLst>
           </p:cNvPr>
@@ -5387,8 +5388,8 @@
         </p:nvSpPr>
         <p:spPr>
           <a:xfrm>
-            <a:off x="1524000" y="1600200"/>
-            <a:ext cx="6934200" cy="3235326"/>
+            <a:off x="1524000" y="1905000"/>
+            <a:ext cx="7010400" cy="2133600"/>
           </a:xfrm>
         </p:spPr>
         <p:txBody>
@@ -5397,170 +5398,95 @@
           </a:bodyPr>
           <a:lstStyle/>
           <a:p>
-            <a:pPr algn="l"/>
-            <a:r>
-              <a:rPr lang="en-US" dirty="0">
-                <a:solidFill>
-                  <a:srgbClr val="374151"/>
-                </a:solidFill>
-                <a:latin typeface="Söhne"/>
-              </a:rPr>
-              <a:t>P</a:t>
-            </a:r>
-            <a:r>
-              <a:rPr lang="en-US" b="0" i="0" dirty="0">
+            <a:r>
+              <a:rPr lang="en-US" dirty="0"/>
+              <a:t>The differences between the non-pattern-match approach and the pattern-match approach are very subtle</a:t>
+            </a:r>
+          </a:p>
+          <a:p>
+            <a:r>
+              <a:rPr lang="en-US" dirty="0"/>
+              <a:t>In general, pattern matching makes the code more readable because the developer’s intentions and the structure of the data are directly visible</a:t>
+            </a:r>
+          </a:p>
+          <a:p>
+            <a:pPr lvl="1"/>
+            <a:r>
+              <a:rPr lang="en-US" dirty="0"/>
+              <a:t>We often talk about </a:t>
+            </a:r>
+            <a:r>
+              <a:rPr lang="en-US" b="1" dirty="0"/>
+              <a:t>declarative programming</a:t>
+            </a:r>
+          </a:p>
+        </p:txBody>
+      </p:sp>
+      <p:sp>
+        <p:nvSpPr>
+          <p:cNvPr id="6" name="TextBox 5">
+            <a:extLst>
+              <a:ext uri="{FF2B5EF4-FFF2-40B4-BE49-F238E27FC236}">
+                <a16:creationId xmlns:a16="http://schemas.microsoft.com/office/drawing/2014/main" id="{416C47C4-D05E-AD4A-ABB8-5674B2AB826B}"/>
+              </a:ext>
+            </a:extLst>
+          </p:cNvPr>
+          <p:cNvSpPr txBox="1"/>
+          <p:nvPr/>
+        </p:nvSpPr>
+        <p:spPr>
+          <a:xfrm>
+            <a:off x="1981200" y="4225925"/>
+            <a:ext cx="4800600" cy="1754326"/>
+          </a:xfrm>
+          <a:prstGeom prst="rect">
+            <a:avLst/>
+          </a:prstGeom>
+          <a:solidFill>
+            <a:schemeClr val="bg1"/>
+          </a:solidFill>
+          <a:ln>
+            <a:solidFill>
+              <a:schemeClr val="tx1"/>
+            </a:solidFill>
+          </a:ln>
+        </p:spPr>
+        <p:txBody>
+          <a:bodyPr wrap="square" rtlCol="0">
+            <a:spAutoFit/>
+          </a:bodyPr>
+          <a:lstStyle/>
+          <a:p>
+            <a:r>
+              <a:rPr lang="en-US" sz="1800" b="0" i="0" dirty="0">
                 <a:solidFill>
                   <a:srgbClr val="374151"/>
                 </a:solidFill>
                 <a:effectLst/>
                 <a:latin typeface="Söhne"/>
               </a:rPr>
-              <a:t>attern matching is considered a declarative programming technique.</a:t>
-            </a:r>
-          </a:p>
-          <a:p>
-            <a:pPr algn="l"/>
-            <a:r>
-              <a:rPr lang="en-US" b="0" i="0" dirty="0">
-                <a:solidFill>
-                  <a:srgbClr val="374151"/>
-                </a:solidFill>
-                <a:effectLst/>
-                <a:latin typeface="Söhne"/>
-              </a:rPr>
-              <a:t>In pattern matching, the programmer specifies patterns that data can match against, rather than explicitly specifying how to manipulate the data. </a:t>
-            </a:r>
-          </a:p>
-          <a:p>
-            <a:pPr lvl="1"/>
-            <a:r>
-              <a:rPr lang="en-US" b="0" i="0" dirty="0">
-                <a:solidFill>
-                  <a:srgbClr val="374151"/>
-                </a:solidFill>
-                <a:effectLst/>
-                <a:latin typeface="Söhne"/>
-              </a:rPr>
-              <a:t>This allows the programmer to express the logic of the computation in a more direct and readable way, </a:t>
-            </a:r>
-          </a:p>
-          <a:p>
-            <a:pPr lvl="1"/>
-            <a:r>
-              <a:rPr lang="en-US" b="0" i="0" dirty="0">
-                <a:solidFill>
-                  <a:srgbClr val="374151"/>
-                </a:solidFill>
-                <a:effectLst/>
-                <a:latin typeface="Söhne"/>
-              </a:rPr>
-              <a:t>by describing what the expected inputs look like and what should be done with them, </a:t>
-            </a:r>
-          </a:p>
-          <a:p>
-            <a:pPr lvl="1"/>
-            <a:r>
-              <a:rPr lang="en-US" b="0" i="0" dirty="0">
-                <a:solidFill>
-                  <a:srgbClr val="374151"/>
-                </a:solidFill>
-                <a:effectLst/>
-                <a:latin typeface="Söhne"/>
-              </a:rPr>
-              <a:t>rather than describing how to manipulate the data step-by-step.</a:t>
-            </a:r>
-          </a:p>
-          <a:p>
-            <a:endParaRPr lang="en-US" dirty="0"/>
-          </a:p>
-        </p:txBody>
-      </p:sp>
-      <p:pic>
-        <p:nvPicPr>
-          <p:cNvPr id="11" name="Picture 10">
-            <a:extLst>
-              <a:ext uri="{FF2B5EF4-FFF2-40B4-BE49-F238E27FC236}">
-                <a16:creationId xmlns:a16="http://schemas.microsoft.com/office/drawing/2014/main" id="{CBE11F07-95B0-CB49-9430-BAA7E3D3172A}"/>
-              </a:ext>
-            </a:extLst>
-          </p:cNvPr>
-          <p:cNvPicPr>
-            <a:picLocks noChangeAspect="1"/>
-          </p:cNvPicPr>
+              <a:t>Declarative programming is a programming paradigm in which the programmer describes what the program should accomplish, rather than how to accomplish it. In a declarative program, the focus is on the logic of the computation, rather than the control flow.</a:t>
+            </a:r>
+            <a:endParaRPr lang="en-US" sz="1800" dirty="0"/>
+          </a:p>
+        </p:txBody>
+      </p:sp>
+      <p:sp>
+        <p:nvSpPr>
+          <p:cNvPr id="7" name="TextBox 6">
+            <a:extLst>
+              <a:ext uri="{FF2B5EF4-FFF2-40B4-BE49-F238E27FC236}">
+                <a16:creationId xmlns:a16="http://schemas.microsoft.com/office/drawing/2014/main" id="{9148E868-DF0F-764A-898A-EB00673251FE}"/>
+              </a:ext>
+            </a:extLst>
+          </p:cNvPr>
+          <p:cNvSpPr txBox="1"/>
           <p:nvPr/>
-        </p:nvPicPr>
-        <p:blipFill>
-          <a:blip r:embed="rId2"/>
-          <a:stretch>
-            <a:fillRect/>
-          </a:stretch>
-        </p:blipFill>
+        </p:nvSpPr>
         <p:spPr>
           <a:xfrm>
-            <a:off x="228600" y="4724400"/>
-            <a:ext cx="4038600" cy="1413510"/>
-          </a:xfrm>
-          <a:prstGeom prst="rect">
-            <a:avLst/>
-          </a:prstGeom>
-          <a:ln>
-            <a:solidFill>
-              <a:schemeClr val="tx1"/>
-            </a:solidFill>
-          </a:ln>
-        </p:spPr>
-      </p:pic>
-      <p:pic>
-        <p:nvPicPr>
-          <p:cNvPr id="5" name="Picture 4">
-            <a:extLst>
-              <a:ext uri="{FF2B5EF4-FFF2-40B4-BE49-F238E27FC236}">
-                <a16:creationId xmlns:a16="http://schemas.microsoft.com/office/drawing/2014/main" id="{97068D57-6CB4-964C-A6FC-95D5784D589A}"/>
-              </a:ext>
-            </a:extLst>
-          </p:cNvPr>
-          <p:cNvPicPr>
-            <a:picLocks noChangeAspect="1"/>
-          </p:cNvPicPr>
-          <p:nvPr/>
-        </p:nvPicPr>
-        <p:blipFill>
-          <a:blip r:embed="rId3"/>
-          <a:stretch>
-            <a:fillRect/>
-          </a:stretch>
-        </p:blipFill>
-        <p:spPr>
-          <a:xfrm>
-            <a:off x="3657600" y="5562600"/>
-            <a:ext cx="5257800" cy="1017999"/>
-          </a:xfrm>
-          <a:prstGeom prst="rect">
-            <a:avLst/>
-          </a:prstGeom>
-          <a:ln>
-            <a:solidFill>
-              <a:schemeClr val="tx1"/>
-            </a:solidFill>
-          </a:ln>
-        </p:spPr>
-      </p:pic>
-      <p:sp>
-        <p:nvSpPr>
-          <p:cNvPr id="12" name="TextBox 11">
-            <a:extLst>
-              <a:ext uri="{FF2B5EF4-FFF2-40B4-BE49-F238E27FC236}">
-                <a16:creationId xmlns:a16="http://schemas.microsoft.com/office/drawing/2014/main" id="{804F59D0-BE45-0642-973E-6ED2D225EB0C}"/>
-              </a:ext>
-            </a:extLst>
-          </p:cNvPr>
-          <p:cNvSpPr txBox="1"/>
-          <p:nvPr/>
-        </p:nvSpPr>
-        <p:spPr>
-          <a:xfrm>
-            <a:off x="4841631" y="5026223"/>
-            <a:ext cx="444352" cy="307777"/>
+            <a:off x="2209800" y="6167576"/>
+            <a:ext cx="3998210" cy="369332"/>
           </a:xfrm>
           <a:prstGeom prst="rect">
             <a:avLst/>
@@ -5574,8 +5500,8 @@
           <a:lstStyle/>
           <a:p>
             <a:r>
-              <a:rPr lang="en-US" sz="1400" dirty="0"/>
-              <a:t>Vs.</a:t>
+              <a:rPr lang="en-US" sz="1800" dirty="0"/>
+              <a:t>“The what” rather than the “The How”</a:t>
             </a:r>
           </a:p>
         </p:txBody>
@@ -5583,7 +5509,7 @@
     </p:spTree>
     <p:extLst>
       <p:ext uri="{BB962C8B-B14F-4D97-AF65-F5344CB8AC3E}">
-        <p14:creationId xmlns:p14="http://schemas.microsoft.com/office/powerpoint/2010/main" val="1240236109"/>
+        <p14:creationId xmlns:p14="http://schemas.microsoft.com/office/powerpoint/2010/main" val="2118289915"/>
       </p:ext>
     </p:extLst>
   </p:cSld>
@@ -5615,7 +5541,7 @@
           <p:cNvPr id="2" name="Title 1">
             <a:extLst>
               <a:ext uri="{FF2B5EF4-FFF2-40B4-BE49-F238E27FC236}">
-                <a16:creationId xmlns:a16="http://schemas.microsoft.com/office/drawing/2014/main" id="{D9AFCD2E-08EF-7245-B4C3-421B18986CD6}"/>
+                <a16:creationId xmlns:a16="http://schemas.microsoft.com/office/drawing/2014/main" id="{BD586A26-F223-8E4C-AAD8-FA7F60454DC5}"/>
               </a:ext>
             </a:extLst>
           </p:cNvPr>
@@ -5640,10 +5566,10 @@
       </p:sp>
       <p:sp>
         <p:nvSpPr>
-          <p:cNvPr id="3" name="Content Placeholder 2">
-            <a:extLst>
-              <a:ext uri="{FF2B5EF4-FFF2-40B4-BE49-F238E27FC236}">
-                <a16:creationId xmlns:a16="http://schemas.microsoft.com/office/drawing/2014/main" id="{23F10F6E-9D8C-7A41-BCEA-267A7A59555A}"/>
+          <p:cNvPr id="10" name="Content Placeholder 9">
+            <a:extLst>
+              <a:ext uri="{FF2B5EF4-FFF2-40B4-BE49-F238E27FC236}">
+                <a16:creationId xmlns:a16="http://schemas.microsoft.com/office/drawing/2014/main" id="{92A67A99-1E12-3347-B407-78899D0FC0E4}"/>
               </a:ext>
             </a:extLst>
           </p:cNvPr>
@@ -5656,36 +5582,100 @@
         </p:nvSpPr>
         <p:spPr>
           <a:xfrm>
-            <a:off x="1524000" y="1905000"/>
-            <a:ext cx="7010400" cy="1981200"/>
+            <a:off x="1524000" y="1600200"/>
+            <a:ext cx="6934200" cy="3235326"/>
           </a:xfrm>
         </p:spPr>
         <p:txBody>
           <a:bodyPr>
-            <a:normAutofit fontScale="92500" lnSpcReduction="20000"/>
+            <a:normAutofit fontScale="70000" lnSpcReduction="20000"/>
           </a:bodyPr>
           <a:lstStyle/>
           <a:p>
-            <a:r>
-              <a:rPr lang="en-US" dirty="0"/>
-              <a:t>If we look carefully at our if-else example, we can see the declarative characteristics also</a:t>
+            <a:pPr algn="l"/>
+            <a:r>
+              <a:rPr lang="en-US" dirty="0">
+                <a:solidFill>
+                  <a:srgbClr val="374151"/>
+                </a:solidFill>
+                <a:latin typeface="Söhne"/>
+              </a:rPr>
+              <a:t>P</a:t>
+            </a:r>
+            <a:r>
+              <a:rPr lang="en-US" b="0" i="0" dirty="0">
+                <a:solidFill>
+                  <a:srgbClr val="374151"/>
+                </a:solidFill>
+                <a:effectLst/>
+                <a:latin typeface="Söhne"/>
+              </a:rPr>
+              <a:t>attern matching is considered a declarative programming technique.</a:t>
+            </a:r>
+          </a:p>
+          <a:p>
+            <a:pPr algn="l"/>
+            <a:r>
+              <a:rPr lang="en-US" b="0" i="0" dirty="0">
+                <a:solidFill>
+                  <a:srgbClr val="374151"/>
+                </a:solidFill>
+                <a:effectLst/>
+                <a:latin typeface="Söhne"/>
+              </a:rPr>
+              <a:t>In pattern matching, the programmer specifies patterns that data can match against, rather than explicitly specifying how to manipulate the data. </a:t>
             </a:r>
           </a:p>
           <a:p>
             <a:pPr lvl="1"/>
             <a:r>
-              <a:rPr lang="en-US" dirty="0"/>
-              <a:t>Patterns vs. data access/manipulation logic</a:t>
-            </a:r>
+              <a:rPr lang="en-US" b="0" i="0" dirty="0">
+                <a:solidFill>
+                  <a:srgbClr val="374151"/>
+                </a:solidFill>
+                <a:effectLst/>
+                <a:latin typeface="Söhne"/>
+              </a:rPr>
+              <a:t>This allows the programmer to express the logic of the computation in a more direct and readable way, </a:t>
+            </a:r>
+          </a:p>
+          <a:p>
+            <a:pPr lvl="1"/>
+            <a:r>
+              <a:rPr lang="en-US" b="0" i="0" dirty="0">
+                <a:solidFill>
+                  <a:srgbClr val="374151"/>
+                </a:solidFill>
+                <a:effectLst/>
+                <a:latin typeface="Söhne"/>
+              </a:rPr>
+              <a:t>by describing what the expected inputs look like and what should be done with them, </a:t>
+            </a:r>
+          </a:p>
+          <a:p>
+            <a:pPr lvl="1"/>
+            <a:r>
+              <a:rPr lang="en-US" b="0" i="0" dirty="0">
+                <a:solidFill>
+                  <a:srgbClr val="374151"/>
+                </a:solidFill>
+                <a:effectLst/>
+                <a:latin typeface="Söhne"/>
+              </a:rPr>
+              <a:t>rather than describing how to manipulate the data step-by-step.</a:t>
+            </a:r>
+          </a:p>
+          <a:p>
+            <a:endParaRPr lang="en-US" dirty="0"/>
           </a:p>
         </p:txBody>
       </p:sp>
       <p:pic>
         <p:nvPicPr>
-          <p:cNvPr id="4" name="Picture 3">
-            <a:extLst>
-              <a:ext uri="{FF2B5EF4-FFF2-40B4-BE49-F238E27FC236}">
-                <a16:creationId xmlns:a16="http://schemas.microsoft.com/office/drawing/2014/main" id="{BC570D0F-9134-9343-BA26-A9E77BB2783D}"/>
+          <p:cNvPr id="11" name="Picture 10">
+            <a:extLst>
+              <a:ext uri="{FF2B5EF4-FFF2-40B4-BE49-F238E27FC236}">
+                <a16:creationId xmlns:a16="http://schemas.microsoft.com/office/drawing/2014/main" id="{CBE11F07-95B0-CB49-9430-BAA7E3D3172A}"/>
               </a:ext>
             </a:extLst>
           </p:cNvPr>
@@ -5694,15 +5684,16 @@
           </p:cNvPicPr>
           <p:nvPr/>
         </p:nvPicPr>
-        <p:blipFill rotWithShape="1">
+        <p:blipFill>
           <a:blip r:embed="rId2"/>
-          <a:srcRect l="4643" t="28916" b="42169"/>
-          <a:stretch/>
+          <a:stretch>
+            <a:fillRect/>
+          </a:stretch>
         </p:blipFill>
         <p:spPr>
           <a:xfrm>
-            <a:off x="304800" y="3886200"/>
-            <a:ext cx="6779808" cy="914400"/>
+            <a:off x="228600" y="4724400"/>
+            <a:ext cx="4038600" cy="1413510"/>
           </a:xfrm>
           <a:prstGeom prst="rect">
             <a:avLst/>
@@ -5719,7 +5710,7 @@
           <p:cNvPr id="5" name="Picture 4">
             <a:extLst>
               <a:ext uri="{FF2B5EF4-FFF2-40B4-BE49-F238E27FC236}">
-                <a16:creationId xmlns:a16="http://schemas.microsoft.com/office/drawing/2014/main" id="{A7BC53E0-0E6D-7843-A5D4-ABD0780F2319}"/>
+                <a16:creationId xmlns:a16="http://schemas.microsoft.com/office/drawing/2014/main" id="{97068D57-6CB4-964C-A6FC-95D5784D589A}"/>
               </a:ext>
             </a:extLst>
           </p:cNvPr>
@@ -5728,15 +5719,16 @@
           </p:cNvPicPr>
           <p:nvPr/>
         </p:nvPicPr>
-        <p:blipFill rotWithShape="1">
+        <p:blipFill>
           <a:blip r:embed="rId3"/>
-          <a:srcRect l="6857" t="24212" b="45394"/>
-          <a:stretch/>
+          <a:stretch>
+            <a:fillRect/>
+          </a:stretch>
         </p:blipFill>
         <p:spPr>
           <a:xfrm>
-            <a:off x="2514600" y="5372099"/>
-            <a:ext cx="5879123" cy="990601"/>
+            <a:off x="3657600" y="5562600"/>
+            <a:ext cx="5257800" cy="1017999"/>
           </a:xfrm>
           <a:prstGeom prst="rect">
             <a:avLst/>
@@ -5750,10 +5742,10 @@
       </p:pic>
       <p:sp>
         <p:nvSpPr>
-          <p:cNvPr id="6" name="TextBox 5">
-            <a:extLst>
-              <a:ext uri="{FF2B5EF4-FFF2-40B4-BE49-F238E27FC236}">
-                <a16:creationId xmlns:a16="http://schemas.microsoft.com/office/drawing/2014/main" id="{D02B7745-3662-4740-B380-8E3CE735CA5A}"/>
+          <p:cNvPr id="12" name="TextBox 11">
+            <a:extLst>
+              <a:ext uri="{FF2B5EF4-FFF2-40B4-BE49-F238E27FC236}">
+                <a16:creationId xmlns:a16="http://schemas.microsoft.com/office/drawing/2014/main" id="{804F59D0-BE45-0642-973E-6ED2D225EB0C}"/>
               </a:ext>
             </a:extLst>
           </p:cNvPr>
@@ -5762,7 +5754,7 @@
         </p:nvSpPr>
         <p:spPr>
           <a:xfrm>
-            <a:off x="3036277" y="4953000"/>
+            <a:off x="4841631" y="5026223"/>
             <a:ext cx="444352" cy="307777"/>
           </a:xfrm>
           <a:prstGeom prst="rect">
@@ -5786,7 +5778,7 @@
     </p:spTree>
     <p:extLst>
       <p:ext uri="{BB962C8B-B14F-4D97-AF65-F5344CB8AC3E}">
-        <p14:creationId xmlns:p14="http://schemas.microsoft.com/office/powerpoint/2010/main" val="1761090366"/>
+        <p14:creationId xmlns:p14="http://schemas.microsoft.com/office/powerpoint/2010/main" val="1240236109"/>
       </p:ext>
     </p:extLst>
   </p:cSld>
@@ -5818,7 +5810,7 @@
           <p:cNvPr id="2" name="Title 1">
             <a:extLst>
               <a:ext uri="{FF2B5EF4-FFF2-40B4-BE49-F238E27FC236}">
-                <a16:creationId xmlns:a16="http://schemas.microsoft.com/office/drawing/2014/main" id="{CD7FB7A3-EF0D-DB4D-A2A9-D0539E8FEF2B}"/>
+                <a16:creationId xmlns:a16="http://schemas.microsoft.com/office/drawing/2014/main" id="{D9AFCD2E-08EF-7245-B4C3-421B18986CD6}"/>
               </a:ext>
             </a:extLst>
           </p:cNvPr>
@@ -5836,7 +5828,7 @@
           <a:p>
             <a:r>
               <a:rPr lang="en-US" dirty="0"/>
-              <a:t>Pattern Matching in Try-Catch Statements</a:t>
+              <a:t>Declarative Programming</a:t>
             </a:r>
           </a:p>
         </p:txBody>
@@ -5846,7 +5838,7 @@
           <p:cNvPr id="3" name="Content Placeholder 2">
             <a:extLst>
               <a:ext uri="{FF2B5EF4-FFF2-40B4-BE49-F238E27FC236}">
-                <a16:creationId xmlns:a16="http://schemas.microsoft.com/office/drawing/2014/main" id="{26184976-D580-8F42-952A-8F3D3FB725F4}"/>
+                <a16:creationId xmlns:a16="http://schemas.microsoft.com/office/drawing/2014/main" id="{23F10F6E-9D8C-7A41-BCEA-267A7A59555A}"/>
               </a:ext>
             </a:extLst>
           </p:cNvPr>
@@ -5857,55 +5849,139 @@
             <p:ph idx="1"/>
           </p:nvPr>
         </p:nvSpPr>
-        <p:spPr/>
+        <p:spPr>
+          <a:xfrm>
+            <a:off x="1524000" y="1905000"/>
+            <a:ext cx="7010400" cy="1981200"/>
+          </a:xfrm>
+        </p:spPr>
         <p:txBody>
           <a:bodyPr>
-            <a:normAutofit lnSpcReduction="10000"/>
+            <a:normAutofit fontScale="92500" lnSpcReduction="20000"/>
           </a:bodyPr>
           <a:lstStyle/>
           <a:p>
             <a:r>
-              <a:rPr lang="en-US" b="0" i="0" dirty="0">
-                <a:solidFill>
-                  <a:srgbClr val="404040"/>
-                </a:solidFill>
-                <a:effectLst/>
-                <a:latin typeface="Lato" panose="020F0502020204030203" pitchFamily="34" charset="0"/>
-              </a:rPr>
-              <a:t>Exception handling in Asteroid is very similar to exception handling in many of the other modern programming languages available today with one major difference:</a:t>
+              <a:rPr lang="en-US" dirty="0"/>
+              <a:t>If we look carefully at our if-else example, we can see the declarative characteristics also</a:t>
             </a:r>
           </a:p>
           <a:p>
             <a:pPr lvl="1"/>
             <a:r>
-              <a:rPr lang="en-US" dirty="0">
-                <a:solidFill>
-                  <a:srgbClr val="404040"/>
-                </a:solidFill>
-                <a:latin typeface="Lato" panose="020F0502020204030203" pitchFamily="34" charset="0"/>
-              </a:rPr>
-              <a:t>Exception objects can be any kind of object</a:t>
-            </a:r>
-          </a:p>
-          <a:p>
-            <a:pPr lvl="1"/>
-            <a:r>
-              <a:rPr lang="en-US" dirty="0">
-                <a:solidFill>
-                  <a:srgbClr val="404040"/>
-                </a:solidFill>
-                <a:latin typeface="Lato" panose="020F0502020204030203" pitchFamily="34" charset="0"/>
-              </a:rPr>
-              <a:t>In catch statements the exception objects are pattern matched</a:t>
-            </a:r>
-            <a:endParaRPr lang="en-US" dirty="0"/>
+              <a:rPr lang="en-US" dirty="0"/>
+              <a:t>Patterns vs. data access/manipulation logic</a:t>
+            </a:r>
+          </a:p>
+        </p:txBody>
+      </p:sp>
+      <p:pic>
+        <p:nvPicPr>
+          <p:cNvPr id="4" name="Picture 3">
+            <a:extLst>
+              <a:ext uri="{FF2B5EF4-FFF2-40B4-BE49-F238E27FC236}">
+                <a16:creationId xmlns:a16="http://schemas.microsoft.com/office/drawing/2014/main" id="{BC570D0F-9134-9343-BA26-A9E77BB2783D}"/>
+              </a:ext>
+            </a:extLst>
+          </p:cNvPr>
+          <p:cNvPicPr>
+            <a:picLocks noChangeAspect="1"/>
+          </p:cNvPicPr>
+          <p:nvPr/>
+        </p:nvPicPr>
+        <p:blipFill rotWithShape="1">
+          <a:blip r:embed="rId2"/>
+          <a:srcRect l="4643" t="28916" b="42169"/>
+          <a:stretch/>
+        </p:blipFill>
+        <p:spPr>
+          <a:xfrm>
+            <a:off x="304800" y="3886200"/>
+            <a:ext cx="6779808" cy="914400"/>
+          </a:xfrm>
+          <a:prstGeom prst="rect">
+            <a:avLst/>
+          </a:prstGeom>
+          <a:ln>
+            <a:solidFill>
+              <a:schemeClr val="tx1"/>
+            </a:solidFill>
+          </a:ln>
+        </p:spPr>
+      </p:pic>
+      <p:pic>
+        <p:nvPicPr>
+          <p:cNvPr id="5" name="Picture 4">
+            <a:extLst>
+              <a:ext uri="{FF2B5EF4-FFF2-40B4-BE49-F238E27FC236}">
+                <a16:creationId xmlns:a16="http://schemas.microsoft.com/office/drawing/2014/main" id="{A7BC53E0-0E6D-7843-A5D4-ABD0780F2319}"/>
+              </a:ext>
+            </a:extLst>
+          </p:cNvPr>
+          <p:cNvPicPr>
+            <a:picLocks noChangeAspect="1"/>
+          </p:cNvPicPr>
+          <p:nvPr/>
+        </p:nvPicPr>
+        <p:blipFill rotWithShape="1">
+          <a:blip r:embed="rId3"/>
+          <a:srcRect l="6857" t="24212" b="45394"/>
+          <a:stretch/>
+        </p:blipFill>
+        <p:spPr>
+          <a:xfrm>
+            <a:off x="2514600" y="5372099"/>
+            <a:ext cx="5879123" cy="990601"/>
+          </a:xfrm>
+          <a:prstGeom prst="rect">
+            <a:avLst/>
+          </a:prstGeom>
+          <a:ln>
+            <a:solidFill>
+              <a:schemeClr val="tx1"/>
+            </a:solidFill>
+          </a:ln>
+        </p:spPr>
+      </p:pic>
+      <p:sp>
+        <p:nvSpPr>
+          <p:cNvPr id="6" name="TextBox 5">
+            <a:extLst>
+              <a:ext uri="{FF2B5EF4-FFF2-40B4-BE49-F238E27FC236}">
+                <a16:creationId xmlns:a16="http://schemas.microsoft.com/office/drawing/2014/main" id="{D02B7745-3662-4740-B380-8E3CE735CA5A}"/>
+              </a:ext>
+            </a:extLst>
+          </p:cNvPr>
+          <p:cNvSpPr txBox="1"/>
+          <p:nvPr/>
+        </p:nvSpPr>
+        <p:spPr>
+          <a:xfrm>
+            <a:off x="3036277" y="4953000"/>
+            <a:ext cx="444352" cy="307777"/>
+          </a:xfrm>
+          <a:prstGeom prst="rect">
+            <a:avLst/>
+          </a:prstGeom>
+          <a:noFill/>
+        </p:spPr>
+        <p:txBody>
+          <a:bodyPr wrap="none" rtlCol="0">
+            <a:spAutoFit/>
+          </a:bodyPr>
+          <a:lstStyle/>
+          <a:p>
+            <a:r>
+              <a:rPr lang="en-US" sz="1400" dirty="0"/>
+              <a:t>Vs.</a:t>
+            </a:r>
           </a:p>
         </p:txBody>
       </p:sp>
     </p:spTree>
     <p:extLst>
       <p:ext uri="{BB962C8B-B14F-4D97-AF65-F5344CB8AC3E}">
-        <p14:creationId xmlns:p14="http://schemas.microsoft.com/office/powerpoint/2010/main" val="1534250549"/>
+        <p14:creationId xmlns:p14="http://schemas.microsoft.com/office/powerpoint/2010/main" val="1761090366"/>
       </p:ext>
     </p:extLst>
   </p:cSld>
@@ -5979,7 +6055,7 @@
         <p:spPr/>
         <p:txBody>
           <a:bodyPr>
-            <a:normAutofit/>
+            <a:normAutofit lnSpcReduction="10000"/>
           </a:bodyPr>
           <a:lstStyle/>
           <a:p>
@@ -5991,7 +6067,31 @@
                 <a:effectLst/>
                 <a:latin typeface="Lato" panose="020F0502020204030203" pitchFamily="34" charset="0"/>
               </a:rPr>
-              <a:t>Idea: write a program that generates a random value between 0 and 1.  If the value is greater or equal to 0.5 then throw a Head object otherwise throw a Tail object.</a:t>
+              <a:t>Exception handling in Asteroid is very similar to exception handling in many of the other modern programming languages available today with one major difference:</a:t>
+            </a:r>
+          </a:p>
+          <a:p>
+            <a:pPr lvl="1"/>
+            <a:r>
+              <a:rPr lang="en-US" dirty="0">
+                <a:solidFill>
+                  <a:srgbClr val="404040"/>
+                </a:solidFill>
+                <a:latin typeface="Lato" panose="020F0502020204030203" pitchFamily="34" charset="0"/>
+              </a:rPr>
+              <a:t>Exception objects can be any kind of object</a:t>
+            </a:r>
+          </a:p>
+          <a:p>
+            <a:pPr lvl="1"/>
+            <a:r>
+              <a:rPr lang="en-US" dirty="0">
+                <a:solidFill>
+                  <a:srgbClr val="404040"/>
+                </a:solidFill>
+                <a:latin typeface="Lato" panose="020F0502020204030203" pitchFamily="34" charset="0"/>
+              </a:rPr>
+              <a:t>In catch statements the exception objects are pattern matched</a:t>
             </a:r>
             <a:endParaRPr lang="en-US" dirty="0"/>
           </a:p>
@@ -6000,7 +6100,7 @@
     </p:spTree>
     <p:extLst>
       <p:ext uri="{BB962C8B-B14F-4D97-AF65-F5344CB8AC3E}">
-        <p14:creationId xmlns:p14="http://schemas.microsoft.com/office/powerpoint/2010/main" val="2452304768"/>
+        <p14:creationId xmlns:p14="http://schemas.microsoft.com/office/powerpoint/2010/main" val="1534250549"/>
       </p:ext>
     </p:extLst>
   </p:cSld>
@@ -6055,45 +6155,47 @@
           </a:p>
         </p:txBody>
       </p:sp>
-      <p:pic>
-        <p:nvPicPr>
-          <p:cNvPr id="4" name="Picture 3">
-            <a:extLst>
-              <a:ext uri="{FF2B5EF4-FFF2-40B4-BE49-F238E27FC236}">
-                <a16:creationId xmlns:a16="http://schemas.microsoft.com/office/drawing/2014/main" id="{C8F94C57-2F33-BF45-90E8-11ED4BDD52FD}"/>
-              </a:ext>
-            </a:extLst>
-          </p:cNvPr>
-          <p:cNvPicPr>
-            <a:picLocks noChangeAspect="1"/>
-          </p:cNvPicPr>
-          <p:nvPr/>
-        </p:nvPicPr>
-        <p:blipFill>
-          <a:blip r:embed="rId2"/>
-          <a:stretch>
-            <a:fillRect/>
-          </a:stretch>
-        </p:blipFill>
-        <p:spPr>
-          <a:xfrm>
-            <a:off x="1371600" y="1771650"/>
-            <a:ext cx="6477000" cy="4857750"/>
-          </a:xfrm>
-          <a:prstGeom prst="rect">
-            <a:avLst/>
-          </a:prstGeom>
-          <a:ln>
-            <a:solidFill>
-              <a:schemeClr val="tx1"/>
-            </a:solidFill>
-          </a:ln>
-        </p:spPr>
-      </p:pic>
+      <p:sp>
+        <p:nvSpPr>
+          <p:cNvPr id="3" name="Content Placeholder 2">
+            <a:extLst>
+              <a:ext uri="{FF2B5EF4-FFF2-40B4-BE49-F238E27FC236}">
+                <a16:creationId xmlns:a16="http://schemas.microsoft.com/office/drawing/2014/main" id="{26184976-D580-8F42-952A-8F3D3FB725F4}"/>
+              </a:ext>
+            </a:extLst>
+          </p:cNvPr>
+          <p:cNvSpPr>
+            <a:spLocks noGrp="1"/>
+          </p:cNvSpPr>
+          <p:nvPr>
+            <p:ph idx="1"/>
+          </p:nvPr>
+        </p:nvSpPr>
+        <p:spPr/>
+        <p:txBody>
+          <a:bodyPr>
+            <a:normAutofit/>
+          </a:bodyPr>
+          <a:lstStyle/>
+          <a:p>
+            <a:r>
+              <a:rPr lang="en-US" b="0" i="0" dirty="0">
+                <a:solidFill>
+                  <a:srgbClr val="404040"/>
+                </a:solidFill>
+                <a:effectLst/>
+                <a:latin typeface="Lato" panose="020F0502020204030203" pitchFamily="34" charset="0"/>
+              </a:rPr>
+              <a:t>Idea: write a program that generates a random value between 0 and 1.  If the value is greater or equal to 0.5 then throw a Head object otherwise throw a Tail object.</a:t>
+            </a:r>
+            <a:endParaRPr lang="en-US" dirty="0"/>
+          </a:p>
+        </p:txBody>
+      </p:sp>
     </p:spTree>
     <p:extLst>
       <p:ext uri="{BB962C8B-B14F-4D97-AF65-F5344CB8AC3E}">
-        <p14:creationId xmlns:p14="http://schemas.microsoft.com/office/powerpoint/2010/main" val="1207494533"/>
+        <p14:creationId xmlns:p14="http://schemas.microsoft.com/office/powerpoint/2010/main" val="2452304768"/>
       </p:ext>
     </p:extLst>
   </p:cSld>
@@ -6148,6 +6250,99 @@
           </a:p>
         </p:txBody>
       </p:sp>
+      <p:pic>
+        <p:nvPicPr>
+          <p:cNvPr id="4" name="Picture 3">
+            <a:extLst>
+              <a:ext uri="{FF2B5EF4-FFF2-40B4-BE49-F238E27FC236}">
+                <a16:creationId xmlns:a16="http://schemas.microsoft.com/office/drawing/2014/main" id="{C8F94C57-2F33-BF45-90E8-11ED4BDD52FD}"/>
+              </a:ext>
+            </a:extLst>
+          </p:cNvPr>
+          <p:cNvPicPr>
+            <a:picLocks noChangeAspect="1"/>
+          </p:cNvPicPr>
+          <p:nvPr/>
+        </p:nvPicPr>
+        <p:blipFill>
+          <a:blip r:embed="rId2"/>
+          <a:stretch>
+            <a:fillRect/>
+          </a:stretch>
+        </p:blipFill>
+        <p:spPr>
+          <a:xfrm>
+            <a:off x="1371600" y="1771650"/>
+            <a:ext cx="6477000" cy="4857750"/>
+          </a:xfrm>
+          <a:prstGeom prst="rect">
+            <a:avLst/>
+          </a:prstGeom>
+          <a:ln>
+            <a:solidFill>
+              <a:schemeClr val="tx1"/>
+            </a:solidFill>
+          </a:ln>
+        </p:spPr>
+      </p:pic>
+    </p:spTree>
+    <p:extLst>
+      <p:ext uri="{BB962C8B-B14F-4D97-AF65-F5344CB8AC3E}">
+        <p14:creationId xmlns:p14="http://schemas.microsoft.com/office/powerpoint/2010/main" val="1207494533"/>
+      </p:ext>
+    </p:extLst>
+  </p:cSld>
+  <p:clrMapOvr>
+    <a:masterClrMapping/>
+  </p:clrMapOvr>
+</p:sld>
+</file>
+
+<file path=ppt/slides/slide16.xml><?xml version="1.0" encoding="utf-8"?>
+<p:sld xmlns:a="http://schemas.openxmlformats.org/drawingml/2006/main" xmlns:r="http://schemas.openxmlformats.org/officeDocument/2006/relationships" xmlns:p="http://schemas.openxmlformats.org/presentationml/2006/main">
+  <p:cSld>
+    <p:spTree>
+      <p:nvGrpSpPr>
+        <p:cNvPr id="1" name=""/>
+        <p:cNvGrpSpPr/>
+        <p:nvPr/>
+      </p:nvGrpSpPr>
+      <p:grpSpPr>
+        <a:xfrm>
+          <a:off x="0" y="0"/>
+          <a:ext cx="0" cy="0"/>
+          <a:chOff x="0" y="0"/>
+          <a:chExt cx="0" cy="0"/>
+        </a:xfrm>
+      </p:grpSpPr>
+      <p:sp>
+        <p:nvSpPr>
+          <p:cNvPr id="2" name="Title 1">
+            <a:extLst>
+              <a:ext uri="{FF2B5EF4-FFF2-40B4-BE49-F238E27FC236}">
+                <a16:creationId xmlns:a16="http://schemas.microsoft.com/office/drawing/2014/main" id="{CD7FB7A3-EF0D-DB4D-A2A9-D0539E8FEF2B}"/>
+              </a:ext>
+            </a:extLst>
+          </p:cNvPr>
+          <p:cNvSpPr>
+            <a:spLocks noGrp="1"/>
+          </p:cNvSpPr>
+          <p:nvPr>
+            <p:ph type="title"/>
+          </p:nvPr>
+        </p:nvSpPr>
+        <p:spPr/>
+        <p:txBody>
+          <a:bodyPr/>
+          <a:lstStyle/>
+          <a:p>
+            <a:r>
+              <a:rPr lang="en-US" dirty="0"/>
+              <a:t>Pattern Matching in Try-Catch Statements</a:t>
+            </a:r>
+          </a:p>
+        </p:txBody>
+      </p:sp>
       <p:sp>
         <p:nvSpPr>
           <p:cNvPr id="3" name="Content Placeholder 2">
@@ -6220,7 +6415,7 @@
 </p:sld>
 </file>
 
-<file path=ppt/slides/slide16.xml><?xml version="1.0" encoding="utf-8"?>
+<file path=ppt/slides/slide17.xml><?xml version="1.0" encoding="utf-8"?>
 <p:sld xmlns:a="http://schemas.openxmlformats.org/drawingml/2006/main" xmlns:r="http://schemas.openxmlformats.org/officeDocument/2006/relationships" xmlns:p="http://schemas.openxmlformats.org/presentationml/2006/main">
   <p:cSld>
     <p:spTree>
@@ -6953,6 +7148,41 @@
           </a:ln>
         </p:spPr>
       </p:pic>
+      <p:sp>
+        <p:nvSpPr>
+          <p:cNvPr id="4" name="TextBox 3">
+            <a:extLst>
+              <a:ext uri="{FF2B5EF4-FFF2-40B4-BE49-F238E27FC236}">
+                <a16:creationId xmlns:a16="http://schemas.microsoft.com/office/drawing/2014/main" id="{8E9C2F50-4B7D-4346-921D-82A4732C6C38}"/>
+              </a:ext>
+            </a:extLst>
+          </p:cNvPr>
+          <p:cNvSpPr txBox="1"/>
+          <p:nvPr/>
+        </p:nvSpPr>
+        <p:spPr>
+          <a:xfrm>
+            <a:off x="152400" y="2936686"/>
+            <a:ext cx="1497526" cy="307777"/>
+          </a:xfrm>
+          <a:prstGeom prst="rect">
+            <a:avLst/>
+          </a:prstGeom>
+          <a:noFill/>
+        </p:spPr>
+        <p:txBody>
+          <a:bodyPr wrap="none" rtlCol="0">
+            <a:spAutoFit/>
+          </a:bodyPr>
+          <a:lstStyle/>
+          <a:p>
+            <a:r>
+              <a:rPr lang="en-US" sz="1400" dirty="0"/>
+              <a:t>ln005/pmif1a.ast</a:t>
+            </a:r>
+          </a:p>
+        </p:txBody>
+      </p:sp>
     </p:spTree>
     <p:extLst>
       <p:ext uri="{BB962C8B-B14F-4D97-AF65-F5344CB8AC3E}">
@@ -7081,6 +7311,41 @@
           </a:ln>
         </p:spPr>
       </p:pic>
+      <p:sp>
+        <p:nvSpPr>
+          <p:cNvPr id="6" name="TextBox 5">
+            <a:extLst>
+              <a:ext uri="{FF2B5EF4-FFF2-40B4-BE49-F238E27FC236}">
+                <a16:creationId xmlns:a16="http://schemas.microsoft.com/office/drawing/2014/main" id="{35A17EB6-6D65-7F41-B06E-7235B7ED1F90}"/>
+              </a:ext>
+            </a:extLst>
+          </p:cNvPr>
+          <p:cNvSpPr txBox="1"/>
+          <p:nvPr/>
+        </p:nvSpPr>
+        <p:spPr>
+          <a:xfrm>
+            <a:off x="571060" y="6359723"/>
+            <a:ext cx="1497526" cy="307777"/>
+          </a:xfrm>
+          <a:prstGeom prst="rect">
+            <a:avLst/>
+          </a:prstGeom>
+          <a:noFill/>
+        </p:spPr>
+        <p:txBody>
+          <a:bodyPr wrap="none" rtlCol="0">
+            <a:spAutoFit/>
+          </a:bodyPr>
+          <a:lstStyle/>
+          <a:p>
+            <a:r>
+              <a:rPr lang="en-US" sz="1400" dirty="0"/>
+              <a:t>ln005/pmif1b.ast</a:t>
+            </a:r>
+          </a:p>
+        </p:txBody>
+      </p:sp>
     </p:spTree>
     <p:extLst>
       <p:ext uri="{BB962C8B-B14F-4D97-AF65-F5344CB8AC3E}">
@@ -7116,7 +7381,7 @@
           <p:cNvPr id="2" name="Title 1">
             <a:extLst>
               <a:ext uri="{FF2B5EF4-FFF2-40B4-BE49-F238E27FC236}">
-                <a16:creationId xmlns:a16="http://schemas.microsoft.com/office/drawing/2014/main" id="{C005B3AA-E16C-5540-A776-9B0394BFC354}"/>
+                <a16:creationId xmlns:a16="http://schemas.microsoft.com/office/drawing/2014/main" id="{F3C52B27-4C1B-E245-9083-688155CD97D2}"/>
               </a:ext>
             </a:extLst>
           </p:cNvPr>
@@ -7134,35 +7399,150 @@
           <a:p>
             <a:r>
               <a:rPr lang="en-US" dirty="0"/>
-              <a:t>Pattern Matching in For Loops</a:t>
-            </a:r>
-          </a:p>
-        </p:txBody>
-      </p:sp>
-      <p:sp>
-        <p:nvSpPr>
-          <p:cNvPr id="3" name="Content Placeholder 2">
-            <a:extLst>
-              <a:ext uri="{FF2B5EF4-FFF2-40B4-BE49-F238E27FC236}">
-                <a16:creationId xmlns:a16="http://schemas.microsoft.com/office/drawing/2014/main" id="{3F2CDE22-CA14-8044-8712-876A82374F6E}"/>
-              </a:ext>
-            </a:extLst>
-          </p:cNvPr>
-          <p:cNvSpPr>
-            <a:spLocks noGrp="1"/>
-          </p:cNvSpPr>
-          <p:nvPr>
-            <p:ph idx="1"/>
-          </p:nvPr>
-        </p:nvSpPr>
-        <p:spPr/>
-        <p:txBody>
-          <a:bodyPr/>
+              <a:t>Pattern Matching in If Statements (Python)</a:t>
+            </a:r>
+          </a:p>
+        </p:txBody>
+      </p:sp>
+      <p:pic>
+        <p:nvPicPr>
+          <p:cNvPr id="6" name="Picture 5">
+            <a:extLst>
+              <a:ext uri="{FF2B5EF4-FFF2-40B4-BE49-F238E27FC236}">
+                <a16:creationId xmlns:a16="http://schemas.microsoft.com/office/drawing/2014/main" id="{AF469C99-6222-3D49-B4E9-A76E0361628D}"/>
+              </a:ext>
+            </a:extLst>
+          </p:cNvPr>
+          <p:cNvPicPr>
+            <a:picLocks noChangeAspect="1"/>
+          </p:cNvPicPr>
+          <p:nvPr/>
+        </p:nvPicPr>
+        <p:blipFill>
+          <a:blip r:embed="rId2"/>
+          <a:stretch>
+            <a:fillRect/>
+          </a:stretch>
+        </p:blipFill>
+        <p:spPr>
+          <a:xfrm>
+            <a:off x="228600" y="1952184"/>
+            <a:ext cx="7651750" cy="1956086"/>
+          </a:xfrm>
+          <a:prstGeom prst="rect">
+            <a:avLst/>
+          </a:prstGeom>
+          <a:ln>
+            <a:solidFill>
+              <a:schemeClr val="tx2"/>
+            </a:solidFill>
+          </a:ln>
+        </p:spPr>
+      </p:pic>
+      <p:pic>
+        <p:nvPicPr>
+          <p:cNvPr id="7" name="Picture 6">
+            <a:extLst>
+              <a:ext uri="{FF2B5EF4-FFF2-40B4-BE49-F238E27FC236}">
+                <a16:creationId xmlns:a16="http://schemas.microsoft.com/office/drawing/2014/main" id="{0471302D-BE27-944C-9B12-89326CB813FD}"/>
+              </a:ext>
+            </a:extLst>
+          </p:cNvPr>
+          <p:cNvPicPr>
+            <a:picLocks noChangeAspect="1"/>
+          </p:cNvPicPr>
+          <p:nvPr/>
+        </p:nvPicPr>
+        <p:blipFill>
+          <a:blip r:embed="rId3"/>
+          <a:stretch>
+            <a:fillRect/>
+          </a:stretch>
+        </p:blipFill>
+        <p:spPr>
+          <a:xfrm>
+            <a:off x="1371600" y="4495800"/>
+            <a:ext cx="6750050" cy="2071905"/>
+          </a:xfrm>
+          <a:prstGeom prst="rect">
+            <a:avLst/>
+          </a:prstGeom>
+          <a:ln>
+            <a:solidFill>
+              <a:schemeClr val="tx2"/>
+            </a:solidFill>
+          </a:ln>
+        </p:spPr>
+      </p:pic>
+      <p:sp>
+        <p:nvSpPr>
+          <p:cNvPr id="8" name="TextBox 7">
+            <a:extLst>
+              <a:ext uri="{FF2B5EF4-FFF2-40B4-BE49-F238E27FC236}">
+                <a16:creationId xmlns:a16="http://schemas.microsoft.com/office/drawing/2014/main" id="{CF54318D-98F4-9941-8A64-03713E570673}"/>
+              </a:ext>
+            </a:extLst>
+          </p:cNvPr>
+          <p:cNvSpPr txBox="1"/>
+          <p:nvPr/>
+        </p:nvSpPr>
+        <p:spPr>
+          <a:xfrm>
+            <a:off x="381000" y="6550223"/>
+            <a:ext cx="1447832" cy="523220"/>
+          </a:xfrm>
+          <a:prstGeom prst="rect">
+            <a:avLst/>
+          </a:prstGeom>
+          <a:noFill/>
+        </p:spPr>
+        <p:txBody>
+          <a:bodyPr wrap="none" rtlCol="0">
+            <a:spAutoFit/>
+          </a:bodyPr>
           <a:lstStyle/>
           <a:p>
             <a:r>
-              <a:rPr lang="en-US" dirty="0"/>
-              <a:t>Example: Write a program that constructs a list of Person objects where each object has a name and an age field. Then iterate over this list and write out the name of the persons whose names contain a lowercase ‘p’.</a:t>
+              <a:rPr lang="en-US" sz="1400" dirty="0"/>
+              <a:t>ln005/pmif1b.py</a:t>
+            </a:r>
+          </a:p>
+          <a:p>
+            <a:endParaRPr lang="en-US" sz="1400" dirty="0"/>
+          </a:p>
+        </p:txBody>
+      </p:sp>
+      <p:sp>
+        <p:nvSpPr>
+          <p:cNvPr id="9" name="TextBox 8">
+            <a:extLst>
+              <a:ext uri="{FF2B5EF4-FFF2-40B4-BE49-F238E27FC236}">
+                <a16:creationId xmlns:a16="http://schemas.microsoft.com/office/drawing/2014/main" id="{3405C8F1-3646-CB45-BBE8-53058E5F49D4}"/>
+              </a:ext>
+            </a:extLst>
+          </p:cNvPr>
+          <p:cNvSpPr txBox="1"/>
+          <p:nvPr/>
+        </p:nvSpPr>
+        <p:spPr>
+          <a:xfrm>
+            <a:off x="622837" y="3917563"/>
+            <a:ext cx="1447832" cy="307777"/>
+          </a:xfrm>
+          <a:prstGeom prst="rect">
+            <a:avLst/>
+          </a:prstGeom>
+          <a:noFill/>
+        </p:spPr>
+        <p:txBody>
+          <a:bodyPr wrap="none" rtlCol="0">
+            <a:spAutoFit/>
+          </a:bodyPr>
+          <a:lstStyle/>
+          <a:p>
+            <a:r>
+              <a:rPr lang="en-US" sz="1400" dirty="0"/>
+              <a:t>ln005/pmif1a.py</a:t>
             </a:r>
           </a:p>
         </p:txBody>
@@ -7170,7 +7550,7 @@
     </p:spTree>
     <p:extLst>
       <p:ext uri="{BB962C8B-B14F-4D97-AF65-F5344CB8AC3E}">
-        <p14:creationId xmlns:p14="http://schemas.microsoft.com/office/powerpoint/2010/main" val="3698473360"/>
+        <p14:creationId xmlns:p14="http://schemas.microsoft.com/office/powerpoint/2010/main" val="1528965176"/>
       </p:ext>
     </p:extLst>
   </p:cSld>
@@ -7225,72 +7605,30 @@
           </a:p>
         </p:txBody>
       </p:sp>
-      <p:pic>
-        <p:nvPicPr>
-          <p:cNvPr id="4" name="Picture 3">
-            <a:extLst>
-              <a:ext uri="{FF2B5EF4-FFF2-40B4-BE49-F238E27FC236}">
-                <a16:creationId xmlns:a16="http://schemas.microsoft.com/office/drawing/2014/main" id="{6DE53B54-9718-344B-9CEA-E82A2AB0791A}"/>
-              </a:ext>
-            </a:extLst>
-          </p:cNvPr>
-          <p:cNvPicPr>
-            <a:picLocks noChangeAspect="1"/>
-          </p:cNvPicPr>
-          <p:nvPr/>
-        </p:nvPicPr>
-        <p:blipFill>
-          <a:blip r:embed="rId2"/>
-          <a:stretch>
-            <a:fillRect/>
-          </a:stretch>
-        </p:blipFill>
-        <p:spPr>
-          <a:xfrm>
-            <a:off x="2362200" y="838200"/>
-            <a:ext cx="4724400" cy="5537200"/>
-          </a:xfrm>
-          <a:prstGeom prst="rect">
-            <a:avLst/>
-          </a:prstGeom>
-          <a:ln>
-            <a:solidFill>
-              <a:schemeClr val="tx1"/>
-            </a:solidFill>
-          </a:ln>
-        </p:spPr>
-      </p:pic>
-      <p:sp>
-        <p:nvSpPr>
-          <p:cNvPr id="5" name="TextBox 4">
-            <a:extLst>
-              <a:ext uri="{FF2B5EF4-FFF2-40B4-BE49-F238E27FC236}">
-                <a16:creationId xmlns:a16="http://schemas.microsoft.com/office/drawing/2014/main" id="{5E0B398A-B699-F147-B13E-A117D3C03C9F}"/>
-              </a:ext>
-            </a:extLst>
-          </p:cNvPr>
-          <p:cNvSpPr txBox="1"/>
-          <p:nvPr/>
-        </p:nvSpPr>
-        <p:spPr>
-          <a:xfrm>
-            <a:off x="7239000" y="5251938"/>
-            <a:ext cx="1745991" cy="307777"/>
-          </a:xfrm>
-          <a:prstGeom prst="rect">
-            <a:avLst/>
-          </a:prstGeom>
-          <a:noFill/>
-        </p:spPr>
-        <p:txBody>
-          <a:bodyPr wrap="none" rtlCol="0">
-            <a:spAutoFit/>
-          </a:bodyPr>
+      <p:sp>
+        <p:nvSpPr>
+          <p:cNvPr id="3" name="Content Placeholder 2">
+            <a:extLst>
+              <a:ext uri="{FF2B5EF4-FFF2-40B4-BE49-F238E27FC236}">
+                <a16:creationId xmlns:a16="http://schemas.microsoft.com/office/drawing/2014/main" id="{3F2CDE22-CA14-8044-8712-876A82374F6E}"/>
+              </a:ext>
+            </a:extLst>
+          </p:cNvPr>
+          <p:cNvSpPr>
+            <a:spLocks noGrp="1"/>
+          </p:cNvSpPr>
+          <p:nvPr>
+            <p:ph idx="1"/>
+          </p:nvPr>
+        </p:nvSpPr>
+        <p:spPr/>
+        <p:txBody>
+          <a:bodyPr/>
           <a:lstStyle/>
           <a:p>
             <a:r>
-              <a:rPr lang="en-US" sz="1400" dirty="0"/>
-              <a:t>ln005/pmloop1a.ast</a:t>
+              <a:rPr lang="en-US" dirty="0"/>
+              <a:t>Example: Write a program that constructs a list of Person objects where each object has a name and an age field. Then iterate over this list and write out the name of the persons whose names contain a lowercase ‘p’.</a:t>
             </a:r>
           </a:p>
         </p:txBody>
@@ -7298,7 +7636,7 @@
     </p:spTree>
     <p:extLst>
       <p:ext uri="{BB962C8B-B14F-4D97-AF65-F5344CB8AC3E}">
-        <p14:creationId xmlns:p14="http://schemas.microsoft.com/office/powerpoint/2010/main" val="2138891987"/>
+        <p14:creationId xmlns:p14="http://schemas.microsoft.com/office/powerpoint/2010/main" val="3698473360"/>
       </p:ext>
     </p:extLst>
   </p:cSld>
@@ -7330,6 +7668,134 @@
           <p:cNvPr id="2" name="Title 1">
             <a:extLst>
               <a:ext uri="{FF2B5EF4-FFF2-40B4-BE49-F238E27FC236}">
+                <a16:creationId xmlns:a16="http://schemas.microsoft.com/office/drawing/2014/main" id="{C005B3AA-E16C-5540-A776-9B0394BFC354}"/>
+              </a:ext>
+            </a:extLst>
+          </p:cNvPr>
+          <p:cNvSpPr>
+            <a:spLocks noGrp="1"/>
+          </p:cNvSpPr>
+          <p:nvPr>
+            <p:ph type="title"/>
+          </p:nvPr>
+        </p:nvSpPr>
+        <p:spPr/>
+        <p:txBody>
+          <a:bodyPr/>
+          <a:lstStyle/>
+          <a:p>
+            <a:r>
+              <a:rPr lang="en-US" dirty="0"/>
+              <a:t>Pattern Matching in For Loops</a:t>
+            </a:r>
+          </a:p>
+        </p:txBody>
+      </p:sp>
+      <p:pic>
+        <p:nvPicPr>
+          <p:cNvPr id="4" name="Picture 3">
+            <a:extLst>
+              <a:ext uri="{FF2B5EF4-FFF2-40B4-BE49-F238E27FC236}">
+                <a16:creationId xmlns:a16="http://schemas.microsoft.com/office/drawing/2014/main" id="{6DE53B54-9718-344B-9CEA-E82A2AB0791A}"/>
+              </a:ext>
+            </a:extLst>
+          </p:cNvPr>
+          <p:cNvPicPr>
+            <a:picLocks noChangeAspect="1"/>
+          </p:cNvPicPr>
+          <p:nvPr/>
+        </p:nvPicPr>
+        <p:blipFill>
+          <a:blip r:embed="rId2"/>
+          <a:stretch>
+            <a:fillRect/>
+          </a:stretch>
+        </p:blipFill>
+        <p:spPr>
+          <a:xfrm>
+            <a:off x="2362200" y="838200"/>
+            <a:ext cx="4724400" cy="5537200"/>
+          </a:xfrm>
+          <a:prstGeom prst="rect">
+            <a:avLst/>
+          </a:prstGeom>
+          <a:ln>
+            <a:solidFill>
+              <a:schemeClr val="tx1"/>
+            </a:solidFill>
+          </a:ln>
+        </p:spPr>
+      </p:pic>
+      <p:sp>
+        <p:nvSpPr>
+          <p:cNvPr id="5" name="TextBox 4">
+            <a:extLst>
+              <a:ext uri="{FF2B5EF4-FFF2-40B4-BE49-F238E27FC236}">
+                <a16:creationId xmlns:a16="http://schemas.microsoft.com/office/drawing/2014/main" id="{5E0B398A-B699-F147-B13E-A117D3C03C9F}"/>
+              </a:ext>
+            </a:extLst>
+          </p:cNvPr>
+          <p:cNvSpPr txBox="1"/>
+          <p:nvPr/>
+        </p:nvSpPr>
+        <p:spPr>
+          <a:xfrm>
+            <a:off x="7239000" y="5251938"/>
+            <a:ext cx="1745991" cy="307777"/>
+          </a:xfrm>
+          <a:prstGeom prst="rect">
+            <a:avLst/>
+          </a:prstGeom>
+          <a:noFill/>
+        </p:spPr>
+        <p:txBody>
+          <a:bodyPr wrap="none" rtlCol="0">
+            <a:spAutoFit/>
+          </a:bodyPr>
+          <a:lstStyle/>
+          <a:p>
+            <a:r>
+              <a:rPr lang="en-US" sz="1400" dirty="0"/>
+              <a:t>ln005/pmloop1a.ast</a:t>
+            </a:r>
+          </a:p>
+        </p:txBody>
+      </p:sp>
+    </p:spTree>
+    <p:extLst>
+      <p:ext uri="{BB962C8B-B14F-4D97-AF65-F5344CB8AC3E}">
+        <p14:creationId xmlns:p14="http://schemas.microsoft.com/office/powerpoint/2010/main" val="2138891987"/>
+      </p:ext>
+    </p:extLst>
+  </p:cSld>
+  <p:clrMapOvr>
+    <a:masterClrMapping/>
+  </p:clrMapOvr>
+</p:sld>
+</file>
+
+<file path=ppt/slides/slide9.xml><?xml version="1.0" encoding="utf-8"?>
+<p:sld xmlns:a="http://schemas.openxmlformats.org/drawingml/2006/main" xmlns:r="http://schemas.openxmlformats.org/officeDocument/2006/relationships" xmlns:p="http://schemas.openxmlformats.org/presentationml/2006/main">
+  <p:cSld>
+    <p:spTree>
+      <p:nvGrpSpPr>
+        <p:cNvPr id="1" name=""/>
+        <p:cNvGrpSpPr/>
+        <p:nvPr/>
+      </p:nvGrpSpPr>
+      <p:grpSpPr>
+        <a:xfrm>
+          <a:off x="0" y="0"/>
+          <a:ext cx="0" cy="0"/>
+          <a:chOff x="0" y="0"/>
+          <a:chExt cx="0" cy="0"/>
+        </a:xfrm>
+      </p:grpSpPr>
+      <p:sp>
+        <p:nvSpPr>
+          <p:cNvPr id="2" name="Title 1">
+            <a:extLst>
+              <a:ext uri="{FF2B5EF4-FFF2-40B4-BE49-F238E27FC236}">
                 <a16:creationId xmlns:a16="http://schemas.microsoft.com/office/drawing/2014/main" id="{5D279E95-E421-AD43-8E9B-227ADA4FE410}"/>
               </a:ext>
             </a:extLst>
@@ -7537,7 +8003,7 @@
           <a:effectLst/>
           <a:extLst>
             <a:ext uri="{AF507438-7753-43e0-B8FC-AC1667EBCBE1}">
-              <a14:hiddenEffects xmlns:a14="http://schemas.microsoft.com/office/drawing/2010/main" xmlns="">
+              <a14:hiddenEffects xmlns="" xmlns:a14="http://schemas.microsoft.com/office/drawing/2010/main">
                 <a:effectLst>
                   <a:outerShdw blurRad="63500" dist="38099" dir="2700000" algn="ctr" rotWithShape="0">
                     <a:schemeClr val="bg2">
@@ -7624,200 +8090,6 @@
     <p:extLst>
       <p:ext uri="{BB962C8B-B14F-4D97-AF65-F5344CB8AC3E}">
         <p14:creationId xmlns:p14="http://schemas.microsoft.com/office/powerpoint/2010/main" val="1279572469"/>
-      </p:ext>
-    </p:extLst>
-  </p:cSld>
-  <p:clrMapOvr>
-    <a:masterClrMapping/>
-  </p:clrMapOvr>
-</p:sld>
-</file>
-
-<file path=ppt/slides/slide9.xml><?xml version="1.0" encoding="utf-8"?>
-<p:sld xmlns:a="http://schemas.openxmlformats.org/drawingml/2006/main" xmlns:r="http://schemas.openxmlformats.org/officeDocument/2006/relationships" xmlns:p="http://schemas.openxmlformats.org/presentationml/2006/main">
-  <p:cSld>
-    <p:spTree>
-      <p:nvGrpSpPr>
-        <p:cNvPr id="1" name=""/>
-        <p:cNvGrpSpPr/>
-        <p:nvPr/>
-      </p:nvGrpSpPr>
-      <p:grpSpPr>
-        <a:xfrm>
-          <a:off x="0" y="0"/>
-          <a:ext cx="0" cy="0"/>
-          <a:chOff x="0" y="0"/>
-          <a:chExt cx="0" cy="0"/>
-        </a:xfrm>
-      </p:grpSpPr>
-      <p:sp>
-        <p:nvSpPr>
-          <p:cNvPr id="2" name="Title 1">
-            <a:extLst>
-              <a:ext uri="{FF2B5EF4-FFF2-40B4-BE49-F238E27FC236}">
-                <a16:creationId xmlns:a16="http://schemas.microsoft.com/office/drawing/2014/main" id="{C005B3AA-E16C-5540-A776-9B0394BFC354}"/>
-              </a:ext>
-            </a:extLst>
-          </p:cNvPr>
-          <p:cNvSpPr>
-            <a:spLocks noGrp="1"/>
-          </p:cNvSpPr>
-          <p:nvPr>
-            <p:ph type="title"/>
-          </p:nvPr>
-        </p:nvSpPr>
-        <p:spPr/>
-        <p:txBody>
-          <a:bodyPr/>
-          <a:lstStyle/>
-          <a:p>
-            <a:r>
-              <a:rPr lang="en-US" dirty="0"/>
-              <a:t>Declarative Programming</a:t>
-            </a:r>
-          </a:p>
-        </p:txBody>
-      </p:sp>
-      <p:sp>
-        <p:nvSpPr>
-          <p:cNvPr id="3" name="Content Placeholder 2">
-            <a:extLst>
-              <a:ext uri="{FF2B5EF4-FFF2-40B4-BE49-F238E27FC236}">
-                <a16:creationId xmlns:a16="http://schemas.microsoft.com/office/drawing/2014/main" id="{3F2CDE22-CA14-8044-8712-876A82374F6E}"/>
-              </a:ext>
-            </a:extLst>
-          </p:cNvPr>
-          <p:cNvSpPr>
-            <a:spLocks noGrp="1"/>
-          </p:cNvSpPr>
-          <p:nvPr>
-            <p:ph idx="1"/>
-          </p:nvPr>
-        </p:nvSpPr>
-        <p:spPr>
-          <a:xfrm>
-            <a:off x="1524000" y="1905000"/>
-            <a:ext cx="7010400" cy="2133600"/>
-          </a:xfrm>
-        </p:spPr>
-        <p:txBody>
-          <a:bodyPr>
-            <a:normAutofit fontScale="70000" lnSpcReduction="20000"/>
-          </a:bodyPr>
-          <a:lstStyle/>
-          <a:p>
-            <a:r>
-              <a:rPr lang="en-US" dirty="0"/>
-              <a:t>The differences between the non-pattern-match approach and the pattern-match approach are very subtle</a:t>
-            </a:r>
-          </a:p>
-          <a:p>
-            <a:r>
-              <a:rPr lang="en-US" dirty="0"/>
-              <a:t>In general, pattern matching makes the code more readable because the developer’s intentions and the structure of the data are directly visible</a:t>
-            </a:r>
-          </a:p>
-          <a:p>
-            <a:pPr lvl="1"/>
-            <a:r>
-              <a:rPr lang="en-US" dirty="0"/>
-              <a:t>We often talk about </a:t>
-            </a:r>
-            <a:r>
-              <a:rPr lang="en-US" b="1" dirty="0"/>
-              <a:t>declarative programming</a:t>
-            </a:r>
-          </a:p>
-        </p:txBody>
-      </p:sp>
-      <p:sp>
-        <p:nvSpPr>
-          <p:cNvPr id="6" name="TextBox 5">
-            <a:extLst>
-              <a:ext uri="{FF2B5EF4-FFF2-40B4-BE49-F238E27FC236}">
-                <a16:creationId xmlns:a16="http://schemas.microsoft.com/office/drawing/2014/main" id="{416C47C4-D05E-AD4A-ABB8-5674B2AB826B}"/>
-              </a:ext>
-            </a:extLst>
-          </p:cNvPr>
-          <p:cNvSpPr txBox="1"/>
-          <p:nvPr/>
-        </p:nvSpPr>
-        <p:spPr>
-          <a:xfrm>
-            <a:off x="1981200" y="4225925"/>
-            <a:ext cx="4800600" cy="1754326"/>
-          </a:xfrm>
-          <a:prstGeom prst="rect">
-            <a:avLst/>
-          </a:prstGeom>
-          <a:solidFill>
-            <a:schemeClr val="bg1"/>
-          </a:solidFill>
-          <a:ln>
-            <a:solidFill>
-              <a:schemeClr val="tx1"/>
-            </a:solidFill>
-          </a:ln>
-        </p:spPr>
-        <p:txBody>
-          <a:bodyPr wrap="square" rtlCol="0">
-            <a:spAutoFit/>
-          </a:bodyPr>
-          <a:lstStyle/>
-          <a:p>
-            <a:r>
-              <a:rPr lang="en-US" sz="1800" b="0" i="0" dirty="0">
-                <a:solidFill>
-                  <a:srgbClr val="374151"/>
-                </a:solidFill>
-                <a:effectLst/>
-                <a:latin typeface="Söhne"/>
-              </a:rPr>
-              <a:t>Declarative programming is a programming paradigm in which the programmer describes what the program should accomplish, rather than how to accomplish it. In a declarative program, the focus is on the logic of the computation, rather than the control flow.</a:t>
-            </a:r>
-            <a:endParaRPr lang="en-US" sz="1800" dirty="0"/>
-          </a:p>
-        </p:txBody>
-      </p:sp>
-      <p:sp>
-        <p:nvSpPr>
-          <p:cNvPr id="7" name="TextBox 6">
-            <a:extLst>
-              <a:ext uri="{FF2B5EF4-FFF2-40B4-BE49-F238E27FC236}">
-                <a16:creationId xmlns:a16="http://schemas.microsoft.com/office/drawing/2014/main" id="{9148E868-DF0F-764A-898A-EB00673251FE}"/>
-              </a:ext>
-            </a:extLst>
-          </p:cNvPr>
-          <p:cNvSpPr txBox="1"/>
-          <p:nvPr/>
-        </p:nvSpPr>
-        <p:spPr>
-          <a:xfrm>
-            <a:off x="2209800" y="6167576"/>
-            <a:ext cx="3998210" cy="369332"/>
-          </a:xfrm>
-          <a:prstGeom prst="rect">
-            <a:avLst/>
-          </a:prstGeom>
-          <a:noFill/>
-        </p:spPr>
-        <p:txBody>
-          <a:bodyPr wrap="none" rtlCol="0">
-            <a:spAutoFit/>
-          </a:bodyPr>
-          <a:lstStyle/>
-          <a:p>
-            <a:r>
-              <a:rPr lang="en-US" sz="1800" dirty="0"/>
-              <a:t>“The what” rather than the “The How”</a:t>
-            </a:r>
-          </a:p>
-        </p:txBody>
-      </p:sp>
-    </p:spTree>
-    <p:extLst>
-      <p:ext uri="{BB962C8B-B14F-4D97-AF65-F5344CB8AC3E}">
-        <p14:creationId xmlns:p14="http://schemas.microsoft.com/office/powerpoint/2010/main" val="2118289915"/>
       </p:ext>
     </p:extLst>
   </p:cSld>
@@ -8073,7 +8345,7 @@
         <a:effectLst/>
         <a:extLst>
           <a:ext uri="{AF507438-7753-43e0-B8FC-AC1667EBCBE1}">
-            <a14:hiddenEffects xmlns="" xmlns:a14="http://schemas.microsoft.com/office/drawing/2010/main">
+            <a14:hiddenEffects xmlns:a14="http://schemas.microsoft.com/office/drawing/2010/main" xmlns="">
               <a:effectLst>
                 <a:outerShdw blurRad="63500" dist="38099" dir="2700000" algn="ctr" rotWithShape="0">
                   <a:schemeClr val="bg2">
@@ -8149,7 +8421,7 @@
         <a:effectLst/>
         <a:extLst>
           <a:ext uri="{AF507438-7753-43e0-B8FC-AC1667EBCBE1}">
-            <a14:hiddenEffects xmlns="" xmlns:a14="http://schemas.microsoft.com/office/drawing/2010/main">
+            <a14:hiddenEffects xmlns:a14="http://schemas.microsoft.com/office/drawing/2010/main" xmlns="">
               <a:effectLst>
                 <a:outerShdw blurRad="63500" dist="38099" dir="2700000" algn="ctr" rotWithShape="0">
                   <a:schemeClr val="bg2">
